--- a/static/2018_DSA_Template.pptx
+++ b/static/2018_DSA_Template.pptx
@@ -228,14 +228,14 @@
           </a:ln>
           <a:extLst>
             <a:ext uri="{909E8E84-426E-40dd-AFC4-6F175D3DCCD1}">
-              <a14:hiddenFill xmlns:a14="http://schemas.microsoft.com/office/drawing/2010/main" xmlns="">
+              <a14:hiddenFill xmlns="" xmlns:a14="http://schemas.microsoft.com/office/drawing/2010/main">
                 <a:solidFill>
                   <a:srgbClr val="FFFFFF"/>
                 </a:solidFill>
               </a14:hiddenFill>
             </a:ext>
             <a:ext uri="{91240B29-F687-4f45-9708-019B960494DF}">
-              <a14:hiddenLine xmlns:a14="http://schemas.microsoft.com/office/drawing/2010/main" xmlns="" w="9525">
+              <a14:hiddenLine xmlns="" xmlns:a14="http://schemas.microsoft.com/office/drawing/2010/main" w="9525">
                 <a:solidFill>
                   <a:srgbClr val="000000"/>
                 </a:solidFill>
@@ -285,14 +285,14 @@
           </a:ln>
           <a:extLst>
             <a:ext uri="{909E8E84-426E-40dd-AFC4-6F175D3DCCD1}">
-              <a14:hiddenFill xmlns:a14="http://schemas.microsoft.com/office/drawing/2010/main" xmlns="">
+              <a14:hiddenFill xmlns="" xmlns:a14="http://schemas.microsoft.com/office/drawing/2010/main">
                 <a:solidFill>
                   <a:srgbClr val="FFFFFF"/>
                 </a:solidFill>
               </a14:hiddenFill>
             </a:ext>
             <a:ext uri="{91240B29-F687-4f45-9708-019B960494DF}">
-              <a14:hiddenLine xmlns:a14="http://schemas.microsoft.com/office/drawing/2010/main" xmlns="" w="9525">
+              <a14:hiddenLine xmlns="" xmlns:a14="http://schemas.microsoft.com/office/drawing/2010/main" w="9525">
                 <a:solidFill>
                   <a:srgbClr val="000000"/>
                 </a:solidFill>
@@ -316,7 +316,7 @@
             </a:pPr>
             <a:fld id="{562C5B1C-1ADE-445A-8161-1B6C093A2C29}" type="datetimeFigureOut">
               <a:rPr lang="zh-CN" altLang="en-US"/>
-              <a:t>2018/8/23</a:t>
+              <a:t>2018/9/3</a:t>
             </a:fld>
             <a:endParaRPr lang="zh-CN" altLang="en-US"/>
           </a:p>
@@ -346,14 +346,14 @@
           </a:ln>
           <a:extLst>
             <a:ext uri="{909E8E84-426E-40dd-AFC4-6F175D3DCCD1}">
-              <a14:hiddenFill xmlns:a14="http://schemas.microsoft.com/office/drawing/2010/main" xmlns="">
+              <a14:hiddenFill xmlns="" xmlns:a14="http://schemas.microsoft.com/office/drawing/2010/main">
                 <a:solidFill>
                   <a:srgbClr val="FFFFFF"/>
                 </a:solidFill>
               </a14:hiddenFill>
             </a:ext>
             <a:ext uri="{91240B29-F687-4f45-9708-019B960494DF}">
-              <a14:hiddenLine xmlns:a14="http://schemas.microsoft.com/office/drawing/2010/main" xmlns="" w="12700">
+              <a14:hiddenLine xmlns="" xmlns:a14="http://schemas.microsoft.com/office/drawing/2010/main" w="12700">
                 <a:solidFill>
                   <a:srgbClr val="000000"/>
                 </a:solidFill>
@@ -389,14 +389,14 @@
           </a:ln>
           <a:extLst>
             <a:ext uri="{909E8E84-426E-40dd-AFC4-6F175D3DCCD1}">
-              <a14:hiddenFill xmlns:a14="http://schemas.microsoft.com/office/drawing/2010/main" xmlns="">
+              <a14:hiddenFill xmlns="" xmlns:a14="http://schemas.microsoft.com/office/drawing/2010/main">
                 <a:solidFill>
                   <a:srgbClr val="FFFFFF"/>
                 </a:solidFill>
               </a14:hiddenFill>
             </a:ext>
             <a:ext uri="{91240B29-F687-4f45-9708-019B960494DF}">
-              <a14:hiddenLine xmlns:a14="http://schemas.microsoft.com/office/drawing/2010/main" xmlns="" w="12700">
+              <a14:hiddenLine xmlns="" xmlns:a14="http://schemas.microsoft.com/office/drawing/2010/main" w="12700">
                 <a:solidFill>
                   <a:srgbClr val="000000"/>
                 </a:solidFill>
@@ -471,14 +471,14 @@
           </a:ln>
           <a:extLst>
             <a:ext uri="{909E8E84-426E-40dd-AFC4-6F175D3DCCD1}">
-              <a14:hiddenFill xmlns:a14="http://schemas.microsoft.com/office/drawing/2010/main" xmlns="">
+              <a14:hiddenFill xmlns="" xmlns:a14="http://schemas.microsoft.com/office/drawing/2010/main">
                 <a:solidFill>
                   <a:srgbClr val="FFFFFF"/>
                 </a:solidFill>
               </a14:hiddenFill>
             </a:ext>
             <a:ext uri="{91240B29-F687-4f45-9708-019B960494DF}">
-              <a14:hiddenLine xmlns:a14="http://schemas.microsoft.com/office/drawing/2010/main" xmlns="" w="9525">
+              <a14:hiddenLine xmlns="" xmlns:a14="http://schemas.microsoft.com/office/drawing/2010/main" w="9525">
                 <a:solidFill>
                   <a:srgbClr val="000000"/>
                 </a:solidFill>
@@ -528,14 +528,14 @@
           </a:ln>
           <a:extLst>
             <a:ext uri="{909E8E84-426E-40dd-AFC4-6F175D3DCCD1}">
-              <a14:hiddenFill xmlns:a14="http://schemas.microsoft.com/office/drawing/2010/main" xmlns="">
+              <a14:hiddenFill xmlns="" xmlns:a14="http://schemas.microsoft.com/office/drawing/2010/main">
                 <a:solidFill>
                   <a:srgbClr val="FFFFFF"/>
                 </a:solidFill>
               </a14:hiddenFill>
             </a:ext>
             <a:ext uri="{91240B29-F687-4f45-9708-019B960494DF}">
-              <a14:hiddenLine xmlns:a14="http://schemas.microsoft.com/office/drawing/2010/main" xmlns="" w="9525">
+              <a14:hiddenLine xmlns="" xmlns:a14="http://schemas.microsoft.com/office/drawing/2010/main" w="9525">
                 <a:solidFill>
                   <a:srgbClr val="000000"/>
                 </a:solidFill>
@@ -832,7 +832,7 @@
             </a:pPr>
             <a:fld id="{5534468C-12ED-4F0F-92C4-E6C904EE9AAE}" type="datetimeFigureOut">
               <a:rPr lang="zh-CN" altLang="en-US"/>
-              <a:t>2018/8/23</a:t>
+              <a:t>2018/9/3</a:t>
             </a:fld>
             <a:endParaRPr lang="zh-CN" altLang="en-US"/>
           </a:p>
@@ -1018,7 +1018,7 @@
             </a:pPr>
             <a:fld id="{4B428590-BDB2-4176-A5A6-235281FFC846}" type="datetimeFigureOut">
               <a:rPr lang="zh-CN" altLang="en-US"/>
-              <a:t>2018/8/23</a:t>
+              <a:t>2018/9/3</a:t>
             </a:fld>
             <a:endParaRPr lang="zh-CN" altLang="en-US"/>
           </a:p>
@@ -1222,7 +1222,7 @@
             </a:pPr>
             <a:fld id="{D4101FCF-B179-4D71-A50D-61DBB884312A}" type="datetimeFigureOut">
               <a:rPr lang="zh-CN" altLang="en-US"/>
-              <a:t>2018/8/23</a:t>
+              <a:t>2018/9/3</a:t>
             </a:fld>
             <a:endParaRPr lang="zh-CN" altLang="en-US"/>
           </a:p>
@@ -1408,7 +1408,7 @@
             </a:pPr>
             <a:fld id="{FBB8FD90-590C-4946-BD97-908E3D8C7BDF}" type="datetimeFigureOut">
               <a:rPr lang="zh-CN" altLang="en-US"/>
-              <a:t>2018/8/23</a:t>
+              <a:t>2018/9/3</a:t>
             </a:fld>
             <a:endParaRPr lang="zh-CN" altLang="en-US"/>
           </a:p>
@@ -1616,7 +1616,7 @@
             </a:pPr>
             <a:fld id="{847A4A1A-9C2A-4873-B044-4C92C3BE0C82}" type="datetimeFigureOut">
               <a:rPr lang="zh-CN" altLang="en-US"/>
-              <a:t>2018/8/23</a:t>
+              <a:t>2018/9/3</a:t>
             </a:fld>
             <a:endParaRPr lang="zh-CN" altLang="en-US"/>
           </a:p>
@@ -1920,7 +1920,7 @@
             </a:pPr>
             <a:fld id="{2D26A389-A1C2-4131-B5A4-3D9457F5E11F}" type="datetimeFigureOut">
               <a:rPr lang="zh-CN" altLang="en-US"/>
-              <a:t>2018/8/23</a:t>
+              <a:t>2018/9/3</a:t>
             </a:fld>
             <a:endParaRPr lang="zh-CN" altLang="en-US"/>
           </a:p>
@@ -2358,7 +2358,7 @@
             </a:pPr>
             <a:fld id="{5EC06281-7E01-4188-9114-C4E4C524FBFA}" type="datetimeFigureOut">
               <a:rPr lang="zh-CN" altLang="en-US"/>
-              <a:t>2018/8/23</a:t>
+              <a:t>2018/9/3</a:t>
             </a:fld>
             <a:endParaRPr lang="zh-CN" altLang="en-US"/>
           </a:p>
@@ -2492,7 +2492,7 @@
             </a:pPr>
             <a:fld id="{6BDC2856-6925-4E4D-A914-9951853066FD}" type="datetimeFigureOut">
               <a:rPr lang="zh-CN" altLang="en-US"/>
-              <a:t>2018/8/23</a:t>
+              <a:t>2018/9/3</a:t>
             </a:fld>
             <a:endParaRPr lang="zh-CN" altLang="en-US"/>
           </a:p>
@@ -2603,7 +2603,7 @@
             </a:pPr>
             <a:fld id="{8986F7C9-6342-45E0-B65E-E741779E0A34}" type="datetimeFigureOut">
               <a:rPr lang="zh-CN" altLang="en-US"/>
-              <a:t>2018/8/23</a:t>
+              <a:t>2018/9/3</a:t>
             </a:fld>
             <a:endParaRPr lang="zh-CN" altLang="en-US"/>
           </a:p>
@@ -2896,7 +2896,7 @@
             </a:pPr>
             <a:fld id="{70FED6AC-635C-46BA-BA3D-A8C3E141030C}" type="datetimeFigureOut">
               <a:rPr lang="zh-CN" altLang="en-US"/>
-              <a:t>2018/8/23</a:t>
+              <a:t>2018/9/3</a:t>
             </a:fld>
             <a:endParaRPr lang="zh-CN" altLang="en-US"/>
           </a:p>
@@ -3166,7 +3166,7 @@
             </a:pPr>
             <a:fld id="{BA8E234F-444D-45BC-A503-CA984E18A0AC}" type="datetimeFigureOut">
               <a:rPr lang="zh-CN" altLang="en-US"/>
-              <a:t>2018/8/23</a:t>
+              <a:t>2018/9/3</a:t>
             </a:fld>
             <a:endParaRPr lang="zh-CN" altLang="en-US"/>
           </a:p>
@@ -3352,7 +3352,7 @@
             </a:pPr>
             <a:fld id="{39C2068C-4F7B-4FCD-9F9F-BF5F51BFA1D9}" type="datetimeFigureOut">
               <a:rPr lang="zh-CN" altLang="en-US"/>
-              <a:t>2018/8/23</a:t>
+              <a:t>2018/9/3</a:t>
             </a:fld>
             <a:endParaRPr lang="zh-CN" altLang="en-US"/>
           </a:p>
@@ -3548,7 +3548,7 @@
             </a:pPr>
             <a:fld id="{C21D0ECF-D28F-482F-B7EA-9E708B826803}" type="datetimeFigureOut">
               <a:rPr lang="zh-CN" altLang="en-US"/>
-              <a:t>2018/8/23</a:t>
+              <a:t>2018/9/3</a:t>
             </a:fld>
             <a:endParaRPr lang="zh-CN" altLang="en-US"/>
           </a:p>
@@ -3744,7 +3744,7 @@
             </a:pPr>
             <a:fld id="{B9CCC1DD-F4F6-4D2D-8BAF-2D41E84891DA}" type="datetimeFigureOut">
               <a:rPr lang="zh-CN" altLang="en-US"/>
-              <a:t>2018/8/23</a:t>
+              <a:t>2018/9/3</a:t>
             </a:fld>
             <a:endParaRPr lang="zh-CN" altLang="en-US"/>
           </a:p>
@@ -3948,7 +3948,7 @@
             </a:pPr>
             <a:fld id="{8DFF3427-AAC1-4F3D-938A-29884F616B9D}" type="datetimeFigureOut">
               <a:rPr lang="zh-CN" altLang="en-US"/>
-              <a:t>2018/8/23</a:t>
+              <a:t>2018/9/3</a:t>
             </a:fld>
             <a:endParaRPr lang="zh-CN" altLang="en-US"/>
           </a:p>
@@ -4134,7 +4134,7 @@
             </a:pPr>
             <a:fld id="{1ADB9467-D9D9-4B7E-923C-0D3B718EA8DF}" type="datetimeFigureOut">
               <a:rPr lang="zh-CN" altLang="en-US"/>
-              <a:t>2018/8/23</a:t>
+              <a:t>2018/9/3</a:t>
             </a:fld>
             <a:endParaRPr lang="zh-CN" altLang="en-US"/>
           </a:p>
@@ -4342,7 +4342,7 @@
             </a:pPr>
             <a:fld id="{EA81BA30-A700-4B0F-BE9A-3D0A5DF01BBC}" type="datetimeFigureOut">
               <a:rPr lang="zh-CN" altLang="en-US"/>
-              <a:t>2018/8/23</a:t>
+              <a:t>2018/9/3</a:t>
             </a:fld>
             <a:endParaRPr lang="zh-CN" altLang="en-US"/>
           </a:p>
@@ -4646,7 +4646,7 @@
             </a:pPr>
             <a:fld id="{462B26FE-6CBA-4B4E-8CF6-2AC20B8FD3EF}" type="datetimeFigureOut">
               <a:rPr lang="zh-CN" altLang="en-US"/>
-              <a:t>2018/8/23</a:t>
+              <a:t>2018/9/3</a:t>
             </a:fld>
             <a:endParaRPr lang="zh-CN" altLang="en-US"/>
           </a:p>
@@ -5084,7 +5084,7 @@
             </a:pPr>
             <a:fld id="{418F60CB-C40C-4345-B722-0EACFE6EF20F}" type="datetimeFigureOut">
               <a:rPr lang="zh-CN" altLang="en-US"/>
-              <a:t>2018/8/23</a:t>
+              <a:t>2018/9/3</a:t>
             </a:fld>
             <a:endParaRPr lang="zh-CN" altLang="en-US"/>
           </a:p>
@@ -5218,7 +5218,7 @@
             </a:pPr>
             <a:fld id="{E3B15F0D-A157-45F1-9713-5CE30C46CD2C}" type="datetimeFigureOut">
               <a:rPr lang="zh-CN" altLang="en-US"/>
-              <a:t>2018/8/23</a:t>
+              <a:t>2018/9/3</a:t>
             </a:fld>
             <a:endParaRPr lang="zh-CN" altLang="en-US"/>
           </a:p>
@@ -5329,7 +5329,7 @@
             </a:pPr>
             <a:fld id="{C78F0D96-79E0-4769-BCD3-C5215365A091}" type="datetimeFigureOut">
               <a:rPr lang="zh-CN" altLang="en-US"/>
-              <a:t>2018/8/23</a:t>
+              <a:t>2018/9/3</a:t>
             </a:fld>
             <a:endParaRPr lang="zh-CN" altLang="en-US"/>
           </a:p>
@@ -5622,7 +5622,7 @@
             </a:pPr>
             <a:fld id="{8C563149-2912-48FE-9082-499577D12BAF}" type="datetimeFigureOut">
               <a:rPr lang="zh-CN" altLang="en-US"/>
-              <a:t>2018/8/23</a:t>
+              <a:t>2018/9/3</a:t>
             </a:fld>
             <a:endParaRPr lang="zh-CN" altLang="en-US"/>
           </a:p>
@@ -5892,7 +5892,7 @@
             </a:pPr>
             <a:fld id="{793DA41E-B604-40CC-9C88-6C1CF0A3B73E}" type="datetimeFigureOut">
               <a:rPr lang="zh-CN" altLang="en-US"/>
-              <a:t>2018/8/23</a:t>
+              <a:t>2018/9/3</a:t>
             </a:fld>
             <a:endParaRPr lang="zh-CN" altLang="en-US"/>
           </a:p>
@@ -6096,7 +6096,7 @@
             </a:pPr>
             <a:fld id="{9A901188-0D5F-4D78-9797-09E9099C5E50}" type="datetimeFigureOut">
               <a:rPr lang="zh-CN" altLang="en-US"/>
-              <a:t>2018/8/23</a:t>
+              <a:t>2018/9/3</a:t>
             </a:fld>
             <a:endParaRPr lang="zh-CN" altLang="en-US"/>
           </a:p>
@@ -6282,7 +6282,7 @@
             </a:pPr>
             <a:fld id="{2269B6DD-4E1D-4211-947F-6E66A1B0EC45}" type="datetimeFigureOut">
               <a:rPr lang="zh-CN" altLang="en-US"/>
-              <a:t>2018/8/23</a:t>
+              <a:t>2018/9/3</a:t>
             </a:fld>
             <a:endParaRPr lang="zh-CN" altLang="en-US"/>
           </a:p>
@@ -6478,7 +6478,7 @@
             </a:pPr>
             <a:fld id="{4AC3CC0B-964B-442F-B5B5-93B1608EB5D3}" type="datetimeFigureOut">
               <a:rPr lang="zh-CN" altLang="en-US"/>
-              <a:t>2018/8/23</a:t>
+              <a:t>2018/9/3</a:t>
             </a:fld>
             <a:endParaRPr lang="zh-CN" altLang="en-US"/>
           </a:p>
@@ -6682,7 +6682,7 @@
             </a:pPr>
             <a:fld id="{83A4F753-6180-4E27-83F9-C26E4BF08319}" type="datetimeFigureOut">
               <a:rPr lang="zh-CN" altLang="en-US"/>
-              <a:t>2018/8/23</a:t>
+              <a:t>2018/9/3</a:t>
             </a:fld>
             <a:endParaRPr lang="zh-CN" altLang="en-US"/>
           </a:p>
@@ -6868,7 +6868,7 @@
             </a:pPr>
             <a:fld id="{654C6E6C-240B-4579-B5CC-5861283969CD}" type="datetimeFigureOut">
               <a:rPr lang="zh-CN" altLang="en-US"/>
-              <a:t>2018/8/23</a:t>
+              <a:t>2018/9/3</a:t>
             </a:fld>
             <a:endParaRPr lang="zh-CN" altLang="en-US"/>
           </a:p>
@@ -7076,7 +7076,7 @@
             </a:pPr>
             <a:fld id="{87C5FDFB-6873-4C51-B846-6FEC3A3028B4}" type="datetimeFigureOut">
               <a:rPr lang="zh-CN" altLang="en-US"/>
-              <a:t>2018/8/23</a:t>
+              <a:t>2018/9/3</a:t>
             </a:fld>
             <a:endParaRPr lang="zh-CN" altLang="en-US"/>
           </a:p>
@@ -7380,7 +7380,7 @@
             </a:pPr>
             <a:fld id="{D233B50C-3E62-469A-BD31-F75E489CE32E}" type="datetimeFigureOut">
               <a:rPr lang="zh-CN" altLang="en-US"/>
-              <a:t>2018/8/23</a:t>
+              <a:t>2018/9/3</a:t>
             </a:fld>
             <a:endParaRPr lang="zh-CN" altLang="en-US"/>
           </a:p>
@@ -7818,7 +7818,7 @@
             </a:pPr>
             <a:fld id="{33F413D5-966D-4D55-A897-AB9480A7A2E0}" type="datetimeFigureOut">
               <a:rPr lang="zh-CN" altLang="en-US"/>
-              <a:t>2018/8/23</a:t>
+              <a:t>2018/9/3</a:t>
             </a:fld>
             <a:endParaRPr lang="zh-CN" altLang="en-US"/>
           </a:p>
@@ -7952,7 +7952,7 @@
             </a:pPr>
             <a:fld id="{7B4A3BCF-DAC5-49E3-9099-C085B0D21459}" type="datetimeFigureOut">
               <a:rPr lang="zh-CN" altLang="en-US"/>
-              <a:t>2018/8/23</a:t>
+              <a:t>2018/9/3</a:t>
             </a:fld>
             <a:endParaRPr lang="zh-CN" altLang="en-US"/>
           </a:p>
@@ -8063,7 +8063,7 @@
             </a:pPr>
             <a:fld id="{4F615106-7045-49C2-8180-387837FA8BA7}" type="datetimeFigureOut">
               <a:rPr lang="zh-CN" altLang="en-US"/>
-              <a:t>2018/8/23</a:t>
+              <a:t>2018/9/3</a:t>
             </a:fld>
             <a:endParaRPr lang="zh-CN" altLang="en-US"/>
           </a:p>
@@ -8356,7 +8356,7 @@
             </a:pPr>
             <a:fld id="{C3FFF899-C41A-46F7-8794-B3859282BFCF}" type="datetimeFigureOut">
               <a:rPr lang="zh-CN" altLang="en-US"/>
-              <a:t>2018/8/23</a:t>
+              <a:t>2018/9/3</a:t>
             </a:fld>
             <a:endParaRPr lang="zh-CN" altLang="en-US"/>
           </a:p>
@@ -8542,7 +8542,7 @@
             </a:pPr>
             <a:fld id="{1724B12F-3A70-435A-B24C-8F1B8A46F09A}" type="datetimeFigureOut">
               <a:rPr lang="zh-CN" altLang="en-US"/>
-              <a:t>2018/8/23</a:t>
+              <a:t>2018/9/3</a:t>
             </a:fld>
             <a:endParaRPr lang="zh-CN" altLang="en-US"/>
           </a:p>
@@ -8812,7 +8812,7 @@
             </a:pPr>
             <a:fld id="{14CBBA3E-98D9-4E33-8E96-508F48EE6E58}" type="datetimeFigureOut">
               <a:rPr lang="zh-CN" altLang="en-US"/>
-              <a:t>2018/8/23</a:t>
+              <a:t>2018/9/3</a:t>
             </a:fld>
             <a:endParaRPr lang="zh-CN" altLang="en-US"/>
           </a:p>
@@ -8998,7 +8998,7 @@
             </a:pPr>
             <a:fld id="{5FF3BD0C-84E1-4751-B6C1-8DFD4D9AFE17}" type="datetimeFigureOut">
               <a:rPr lang="zh-CN" altLang="en-US"/>
-              <a:t>2018/8/23</a:t>
+              <a:t>2018/9/3</a:t>
             </a:fld>
             <a:endParaRPr lang="zh-CN" altLang="en-US"/>
           </a:p>
@@ -9194,7 +9194,7 @@
             </a:pPr>
             <a:fld id="{5EE1C9E0-C7DE-4C84-AEB6-FD91DA9B37E5}" type="datetimeFigureOut">
               <a:rPr lang="zh-CN" altLang="en-US"/>
-              <a:t>2018/8/23</a:t>
+              <a:t>2018/9/3</a:t>
             </a:fld>
             <a:endParaRPr lang="zh-CN" altLang="en-US"/>
           </a:p>
@@ -9402,7 +9402,7 @@
             </a:pPr>
             <a:fld id="{C55275EF-6D23-4ED5-B68A-ED83FCAF6569}" type="datetimeFigureOut">
               <a:rPr lang="zh-CN" altLang="en-US"/>
-              <a:t>2018/8/23</a:t>
+              <a:t>2018/9/3</a:t>
             </a:fld>
             <a:endParaRPr lang="zh-CN" altLang="en-US"/>
           </a:p>
@@ -9706,7 +9706,7 @@
             </a:pPr>
             <a:fld id="{1F8BEF9E-462D-4FC8-ADD5-D31ABBB94C67}" type="datetimeFigureOut">
               <a:rPr lang="zh-CN" altLang="en-US"/>
-              <a:t>2018/8/23</a:t>
+              <a:t>2018/9/3</a:t>
             </a:fld>
             <a:endParaRPr lang="zh-CN" altLang="en-US"/>
           </a:p>
@@ -10144,7 +10144,7 @@
             </a:pPr>
             <a:fld id="{4AB7BE84-740E-4A2A-A7CD-E8B4EEF4B522}" type="datetimeFigureOut">
               <a:rPr lang="zh-CN" altLang="en-US"/>
-              <a:t>2018/8/23</a:t>
+              <a:t>2018/9/3</a:t>
             </a:fld>
             <a:endParaRPr lang="zh-CN" altLang="en-US"/>
           </a:p>
@@ -10278,7 +10278,7 @@
             </a:pPr>
             <a:fld id="{0D547FE5-B663-44E2-9FFC-018899275C71}" type="datetimeFigureOut">
               <a:rPr lang="zh-CN" altLang="en-US"/>
-              <a:t>2018/8/23</a:t>
+              <a:t>2018/9/3</a:t>
             </a:fld>
             <a:endParaRPr lang="zh-CN" altLang="en-US"/>
           </a:p>
@@ -10389,7 +10389,7 @@
             </a:pPr>
             <a:fld id="{91DE937D-FE59-4DEE-92A3-116077E800C9}" type="datetimeFigureOut">
               <a:rPr lang="zh-CN" altLang="en-US"/>
-              <a:t>2018/8/23</a:t>
+              <a:t>2018/9/3</a:t>
             </a:fld>
             <a:endParaRPr lang="zh-CN" altLang="en-US"/>
           </a:p>
@@ -10682,7 +10682,7 @@
             </a:pPr>
             <a:fld id="{73D14F5E-0B99-4325-800E-1AE794F8E221}" type="datetimeFigureOut">
               <a:rPr lang="zh-CN" altLang="en-US"/>
-              <a:t>2018/8/23</a:t>
+              <a:t>2018/9/3</a:t>
             </a:fld>
             <a:endParaRPr lang="zh-CN" altLang="en-US"/>
           </a:p>
@@ -10868,7 +10868,7 @@
             </a:pPr>
             <a:fld id="{60A878BC-2910-47C5-8546-A995B2B64F2C}" type="datetimeFigureOut">
               <a:rPr lang="zh-CN" altLang="en-US"/>
-              <a:t>2018/8/23</a:t>
+              <a:t>2018/9/3</a:t>
             </a:fld>
             <a:endParaRPr lang="zh-CN" altLang="en-US"/>
           </a:p>
@@ -11138,7 +11138,7 @@
             </a:pPr>
             <a:fld id="{1038ECC6-99A4-4F22-A5A3-94880F7AB3FA}" type="datetimeFigureOut">
               <a:rPr lang="zh-CN" altLang="en-US"/>
-              <a:t>2018/8/23</a:t>
+              <a:t>2018/9/3</a:t>
             </a:fld>
             <a:endParaRPr lang="zh-CN" altLang="en-US"/>
           </a:p>
@@ -11324,7 +11324,7 @@
             </a:pPr>
             <a:fld id="{B030F349-4CCF-4FD1-9E18-0441BDE917EA}" type="datetimeFigureOut">
               <a:rPr lang="zh-CN" altLang="en-US"/>
-              <a:t>2018/8/23</a:t>
+              <a:t>2018/9/3</a:t>
             </a:fld>
             <a:endParaRPr lang="zh-CN" altLang="en-US"/>
           </a:p>
@@ -11520,7 +11520,7 @@
             </a:pPr>
             <a:fld id="{432087EF-C7E8-4503-ADA2-755F79153F87}" type="datetimeFigureOut">
               <a:rPr lang="zh-CN" altLang="en-US"/>
-              <a:t>2018/8/23</a:t>
+              <a:t>2018/9/3</a:t>
             </a:fld>
             <a:endParaRPr lang="zh-CN" altLang="en-US"/>
           </a:p>
@@ -11724,7 +11724,7 @@
             </a:pPr>
             <a:fld id="{D84E7479-03BB-48D8-B8FD-F2C92A3B662F}" type="datetimeFigureOut">
               <a:rPr lang="zh-CN" altLang="en-US"/>
-              <a:t>2018/8/23</a:t>
+              <a:t>2018/9/3</a:t>
             </a:fld>
             <a:endParaRPr lang="zh-CN" altLang="en-US"/>
           </a:p>
@@ -11910,7 +11910,7 @@
             </a:pPr>
             <a:fld id="{A167ADBD-4925-4653-A9DD-ACCD4B375C75}" type="datetimeFigureOut">
               <a:rPr lang="zh-CN" altLang="en-US"/>
-              <a:t>2018/8/23</a:t>
+              <a:t>2018/9/3</a:t>
             </a:fld>
             <a:endParaRPr lang="zh-CN" altLang="en-US"/>
           </a:p>
@@ -12118,7 +12118,7 @@
             </a:pPr>
             <a:fld id="{F6F9C70C-1A30-49DB-B902-9780F4387DB2}" type="datetimeFigureOut">
               <a:rPr lang="zh-CN" altLang="en-US"/>
-              <a:t>2018/8/23</a:t>
+              <a:t>2018/9/3</a:t>
             </a:fld>
             <a:endParaRPr lang="zh-CN" altLang="en-US"/>
           </a:p>
@@ -12422,7 +12422,7 @@
             </a:pPr>
             <a:fld id="{3D62F4A1-3784-41C7-8E68-33AE053B6769}" type="datetimeFigureOut">
               <a:rPr lang="zh-CN" altLang="en-US"/>
-              <a:t>2018/8/23</a:t>
+              <a:t>2018/9/3</a:t>
             </a:fld>
             <a:endParaRPr lang="zh-CN" altLang="en-US"/>
           </a:p>
@@ -12860,7 +12860,7 @@
             </a:pPr>
             <a:fld id="{29A10854-3E41-44B8-8235-04FFBC91FCDC}" type="datetimeFigureOut">
               <a:rPr lang="zh-CN" altLang="en-US"/>
-              <a:t>2018/8/23</a:t>
+              <a:t>2018/9/3</a:t>
             </a:fld>
             <a:endParaRPr lang="zh-CN" altLang="en-US"/>
           </a:p>
@@ -12994,7 +12994,7 @@
             </a:pPr>
             <a:fld id="{40C1D0D7-0FE2-4646-9081-07AE8583848A}" type="datetimeFigureOut">
               <a:rPr lang="zh-CN" altLang="en-US"/>
-              <a:t>2018/8/23</a:t>
+              <a:t>2018/9/3</a:t>
             </a:fld>
             <a:endParaRPr lang="zh-CN" altLang="en-US"/>
           </a:p>
@@ -13105,7 +13105,7 @@
             </a:pPr>
             <a:fld id="{87F0E9B8-88F0-4E73-9491-7E4349725C93}" type="datetimeFigureOut">
               <a:rPr lang="zh-CN" altLang="en-US"/>
-              <a:t>2018/8/23</a:t>
+              <a:t>2018/9/3</a:t>
             </a:fld>
             <a:endParaRPr lang="zh-CN" altLang="en-US"/>
           </a:p>
@@ -13313,7 +13313,7 @@
             </a:pPr>
             <a:fld id="{59038D74-754E-41FD-8B0A-E5BC32252EF5}" type="datetimeFigureOut">
               <a:rPr lang="zh-CN" altLang="en-US"/>
-              <a:t>2018/8/23</a:t>
+              <a:t>2018/9/3</a:t>
             </a:fld>
             <a:endParaRPr lang="zh-CN" altLang="en-US"/>
           </a:p>
@@ -13606,7 +13606,7 @@
             </a:pPr>
             <a:fld id="{D8CDDC09-CF61-44E0-A8C2-138652DE1E5D}" type="datetimeFigureOut">
               <a:rPr lang="zh-CN" altLang="en-US"/>
-              <a:t>2018/8/23</a:t>
+              <a:t>2018/9/3</a:t>
             </a:fld>
             <a:endParaRPr lang="zh-CN" altLang="en-US"/>
           </a:p>
@@ -13876,7 +13876,7 @@
             </a:pPr>
             <a:fld id="{829F56AA-C420-4F09-A3B7-1825F84AD17A}" type="datetimeFigureOut">
               <a:rPr lang="zh-CN" altLang="en-US"/>
-              <a:t>2018/8/23</a:t>
+              <a:t>2018/9/3</a:t>
             </a:fld>
             <a:endParaRPr lang="zh-CN" altLang="en-US"/>
           </a:p>
@@ -14062,7 +14062,7 @@
             </a:pPr>
             <a:fld id="{B8F38AFC-F0A1-419A-BCC6-AE9E26553BB0}" type="datetimeFigureOut">
               <a:rPr lang="zh-CN" altLang="en-US"/>
-              <a:t>2018/8/23</a:t>
+              <a:t>2018/9/3</a:t>
             </a:fld>
             <a:endParaRPr lang="zh-CN" altLang="en-US"/>
           </a:p>
@@ -14258,7 +14258,7 @@
             </a:pPr>
             <a:fld id="{AAD93F3C-9F6F-419E-895E-CC0305C381EA}" type="datetimeFigureOut">
               <a:rPr lang="zh-CN" altLang="en-US"/>
-              <a:t>2018/8/23</a:t>
+              <a:t>2018/9/3</a:t>
             </a:fld>
             <a:endParaRPr lang="zh-CN" altLang="en-US"/>
           </a:p>
@@ -14462,7 +14462,7 @@
             </a:pPr>
             <a:fld id="{A62C7B1A-63B0-41EB-B940-9860531C4469}" type="datetimeFigureOut">
               <a:rPr lang="zh-CN" altLang="en-US"/>
-              <a:t>2018/8/23</a:t>
+              <a:t>2018/9/3</a:t>
             </a:fld>
             <a:endParaRPr lang="zh-CN" altLang="en-US"/>
           </a:p>
@@ -14648,7 +14648,7 @@
             </a:pPr>
             <a:fld id="{DAA830C1-93B9-45C4-950C-DAD71590947B}" type="datetimeFigureOut">
               <a:rPr lang="zh-CN" altLang="en-US"/>
-              <a:t>2018/8/23</a:t>
+              <a:t>2018/9/3</a:t>
             </a:fld>
             <a:endParaRPr lang="zh-CN" altLang="en-US"/>
           </a:p>
@@ -14856,7 +14856,7 @@
             </a:pPr>
             <a:fld id="{4BFD8DA3-598A-4365-A419-14E1E8C55670}" type="datetimeFigureOut">
               <a:rPr lang="zh-CN" altLang="en-US"/>
-              <a:t>2018/8/23</a:t>
+              <a:t>2018/9/3</a:t>
             </a:fld>
             <a:endParaRPr lang="zh-CN" altLang="en-US"/>
           </a:p>
@@ -15160,7 +15160,7 @@
             </a:pPr>
             <a:fld id="{EEE9B3D2-30D0-46EA-85F3-1F4725CDEC4A}" type="datetimeFigureOut">
               <a:rPr lang="zh-CN" altLang="en-US"/>
-              <a:t>2018/8/23</a:t>
+              <a:t>2018/9/3</a:t>
             </a:fld>
             <a:endParaRPr lang="zh-CN" altLang="en-US"/>
           </a:p>
@@ -15598,7 +15598,7 @@
             </a:pPr>
             <a:fld id="{0747F68B-1A31-4A7C-A28E-B228BF89E6D3}" type="datetimeFigureOut">
               <a:rPr lang="zh-CN" altLang="en-US"/>
-              <a:t>2018/8/23</a:t>
+              <a:t>2018/9/3</a:t>
             </a:fld>
             <a:endParaRPr lang="zh-CN" altLang="en-US"/>
           </a:p>
@@ -15732,7 +15732,7 @@
             </a:pPr>
             <a:fld id="{416F4B2F-24E5-4DA6-B5DA-DA95379BC89F}" type="datetimeFigureOut">
               <a:rPr lang="zh-CN" altLang="en-US"/>
-              <a:t>2018/8/23</a:t>
+              <a:t>2018/9/3</a:t>
             </a:fld>
             <a:endParaRPr lang="zh-CN" altLang="en-US"/>
           </a:p>
@@ -16036,7 +16036,7 @@
             </a:pPr>
             <a:fld id="{7F34350B-3067-44DE-8C25-D6C1B9B0B9E6}" type="datetimeFigureOut">
               <a:rPr lang="zh-CN" altLang="en-US"/>
-              <a:t>2018/8/23</a:t>
+              <a:t>2018/9/3</a:t>
             </a:fld>
             <a:endParaRPr lang="zh-CN" altLang="en-US"/>
           </a:p>
@@ -16147,7 +16147,7 @@
             </a:pPr>
             <a:fld id="{55BD93F2-838B-427F-B49C-BA5DF2754DB8}" type="datetimeFigureOut">
               <a:rPr lang="zh-CN" altLang="en-US"/>
-              <a:t>2018/8/23</a:t>
+              <a:t>2018/9/3</a:t>
             </a:fld>
             <a:endParaRPr lang="zh-CN" altLang="en-US"/>
           </a:p>
@@ -16440,7 +16440,7 @@
             </a:pPr>
             <a:fld id="{E7FC3708-455B-4C77-96F4-9805D7E52392}" type="datetimeFigureOut">
               <a:rPr lang="zh-CN" altLang="en-US"/>
-              <a:t>2018/8/23</a:t>
+              <a:t>2018/9/3</a:t>
             </a:fld>
             <a:endParaRPr lang="zh-CN" altLang="en-US"/>
           </a:p>
@@ -16710,7 +16710,7 @@
             </a:pPr>
             <a:fld id="{1D79ECB9-DF8A-4E46-9401-382D40D2FEB9}" type="datetimeFigureOut">
               <a:rPr lang="zh-CN" altLang="en-US"/>
-              <a:t>2018/8/23</a:t>
+              <a:t>2018/9/3</a:t>
             </a:fld>
             <a:endParaRPr lang="zh-CN" altLang="en-US"/>
           </a:p>
@@ -16896,7 +16896,7 @@
             </a:pPr>
             <a:fld id="{F6765B8F-C52E-4529-AD89-B9BF8DB21326}" type="datetimeFigureOut">
               <a:rPr lang="zh-CN" altLang="en-US"/>
-              <a:t>2018/8/23</a:t>
+              <a:t>2018/9/3</a:t>
             </a:fld>
             <a:endParaRPr lang="zh-CN" altLang="en-US"/>
           </a:p>
@@ -17092,7 +17092,7 @@
             </a:pPr>
             <a:fld id="{3500D55D-83AD-4ED4-BBA2-A707FCAFF959}" type="datetimeFigureOut">
               <a:rPr lang="zh-CN" altLang="en-US"/>
-              <a:t>2018/8/23</a:t>
+              <a:t>2018/9/3</a:t>
             </a:fld>
             <a:endParaRPr lang="zh-CN" altLang="en-US"/>
           </a:p>
@@ -17296,7 +17296,7 @@
             </a:pPr>
             <a:fld id="{0F1F98A5-05E2-40A1-9132-B6E0369DFE90}" type="datetimeFigureOut">
               <a:rPr lang="zh-CN" altLang="en-US"/>
-              <a:t>2018/8/23</a:t>
+              <a:t>2018/9/3</a:t>
             </a:fld>
             <a:endParaRPr lang="zh-CN" altLang="en-US"/>
           </a:p>
@@ -17482,7 +17482,7 @@
             </a:pPr>
             <a:fld id="{7DC4201D-5804-489F-8074-0D6D796FFBBA}" type="datetimeFigureOut">
               <a:rPr lang="zh-CN" altLang="en-US"/>
-              <a:t>2018/8/23</a:t>
+              <a:t>2018/9/3</a:t>
             </a:fld>
             <a:endParaRPr lang="zh-CN" altLang="en-US"/>
           </a:p>
@@ -17690,7 +17690,7 @@
             </a:pPr>
             <a:fld id="{FD0077FD-27E9-4CE1-97BB-7BA6671027EC}" type="datetimeFigureOut">
               <a:rPr lang="zh-CN" altLang="en-US"/>
-              <a:t>2018/8/23</a:t>
+              <a:t>2018/9/3</a:t>
             </a:fld>
             <a:endParaRPr lang="zh-CN" altLang="en-US"/>
           </a:p>
@@ -17994,7 +17994,7 @@
             </a:pPr>
             <a:fld id="{54B6720D-6340-467E-B95F-93BE65DC28C1}" type="datetimeFigureOut">
               <a:rPr lang="zh-CN" altLang="en-US"/>
-              <a:t>2018/8/23</a:t>
+              <a:t>2018/9/3</a:t>
             </a:fld>
             <a:endParaRPr lang="zh-CN" altLang="en-US"/>
           </a:p>
@@ -18432,7 +18432,7 @@
             </a:pPr>
             <a:fld id="{11EE62DA-05BF-4B89-8C14-C0EE6C292343}" type="datetimeFigureOut">
               <a:rPr lang="zh-CN" altLang="en-US"/>
-              <a:t>2018/8/23</a:t>
+              <a:t>2018/9/3</a:t>
             </a:fld>
             <a:endParaRPr lang="zh-CN" altLang="en-US"/>
           </a:p>
@@ -18875,7 +18875,7 @@
             </a:pPr>
             <a:fld id="{612A666F-001B-4A4C-BF15-B17B18901B13}" type="datetimeFigureOut">
               <a:rPr lang="zh-CN" altLang="en-US"/>
-              <a:t>2018/8/23</a:t>
+              <a:t>2018/9/3</a:t>
             </a:fld>
             <a:endParaRPr lang="zh-CN" altLang="en-US"/>
           </a:p>
@@ -19009,7 +19009,7 @@
             </a:pPr>
             <a:fld id="{E775DD74-744E-43C6-A541-58C6C3DC81CC}" type="datetimeFigureOut">
               <a:rPr lang="zh-CN" altLang="en-US"/>
-              <a:t>2018/8/23</a:t>
+              <a:t>2018/9/3</a:t>
             </a:fld>
             <a:endParaRPr lang="zh-CN" altLang="en-US"/>
           </a:p>
@@ -19120,7 +19120,7 @@
             </a:pPr>
             <a:fld id="{50C16F4C-6066-4C56-8108-1F55B74A9713}" type="datetimeFigureOut">
               <a:rPr lang="zh-CN" altLang="en-US"/>
-              <a:t>2018/8/23</a:t>
+              <a:t>2018/9/3</a:t>
             </a:fld>
             <a:endParaRPr lang="zh-CN" altLang="en-US"/>
           </a:p>
@@ -19413,7 +19413,7 @@
             </a:pPr>
             <a:fld id="{76C1107E-7834-4249-8A20-A8771CEC4E73}" type="datetimeFigureOut">
               <a:rPr lang="zh-CN" altLang="en-US"/>
-              <a:t>2018/8/23</a:t>
+              <a:t>2018/9/3</a:t>
             </a:fld>
             <a:endParaRPr lang="zh-CN" altLang="en-US"/>
           </a:p>
@@ -19683,7 +19683,7 @@
             </a:pPr>
             <a:fld id="{CEDEEEAF-D4B5-41C1-AA5B-F545B44AFEDE}" type="datetimeFigureOut">
               <a:rPr lang="zh-CN" altLang="en-US"/>
-              <a:t>2018/8/23</a:t>
+              <a:t>2018/9/3</a:t>
             </a:fld>
             <a:endParaRPr lang="zh-CN" altLang="en-US"/>
           </a:p>
@@ -19869,7 +19869,7 @@
             </a:pPr>
             <a:fld id="{58D71282-A39B-4993-9675-B89BF27541F2}" type="datetimeFigureOut">
               <a:rPr lang="zh-CN" altLang="en-US"/>
-              <a:t>2018/8/23</a:t>
+              <a:t>2018/9/3</a:t>
             </a:fld>
             <a:endParaRPr lang="zh-CN" altLang="en-US"/>
           </a:p>
@@ -20065,7 +20065,7 @@
             </a:pPr>
             <a:fld id="{6744F805-C595-4156-B661-2C2C127F9586}" type="datetimeFigureOut">
               <a:rPr lang="zh-CN" altLang="en-US"/>
-              <a:t>2018/8/23</a:t>
+              <a:t>2018/9/3</a:t>
             </a:fld>
             <a:endParaRPr lang="zh-CN" altLang="en-US"/>
           </a:p>
@@ -20269,7 +20269,7 @@
             </a:pPr>
             <a:fld id="{2E038373-4D17-4125-A153-75DB58106826}" type="datetimeFigureOut">
               <a:rPr lang="zh-CN" altLang="en-US"/>
-              <a:t>2018/8/23</a:t>
+              <a:t>2018/9/3</a:t>
             </a:fld>
             <a:endParaRPr lang="zh-CN" altLang="en-US"/>
           </a:p>
@@ -20455,7 +20455,7 @@
             </a:pPr>
             <a:fld id="{E7696808-FB36-4EBA-8D36-87151E0A6B3F}" type="datetimeFigureOut">
               <a:rPr lang="zh-CN" altLang="en-US"/>
-              <a:t>2018/8/23</a:t>
+              <a:t>2018/9/3</a:t>
             </a:fld>
             <a:endParaRPr lang="zh-CN" altLang="en-US"/>
           </a:p>
@@ -20663,7 +20663,7 @@
             </a:pPr>
             <a:fld id="{F5EDE0E8-1983-43CD-A810-2A7375669F7F}" type="datetimeFigureOut">
               <a:rPr lang="zh-CN" altLang="en-US"/>
-              <a:t>2018/8/23</a:t>
+              <a:t>2018/9/3</a:t>
             </a:fld>
             <a:endParaRPr lang="zh-CN" altLang="en-US"/>
           </a:p>
@@ -20967,7 +20967,7 @@
             </a:pPr>
             <a:fld id="{F14B9E68-9F2B-46FD-BEB4-A992D56CEDA1}" type="datetimeFigureOut">
               <a:rPr lang="zh-CN" altLang="en-US"/>
-              <a:t>2018/8/23</a:t>
+              <a:t>2018/9/3</a:t>
             </a:fld>
             <a:endParaRPr lang="zh-CN" altLang="en-US"/>
           </a:p>
@@ -21101,7 +21101,7 @@
             </a:pPr>
             <a:fld id="{C9FBDFC7-9500-4623-880F-2804ED790633}" type="datetimeFigureOut">
               <a:rPr lang="zh-CN" altLang="en-US"/>
-              <a:t>2018/8/23</a:t>
+              <a:t>2018/9/3</a:t>
             </a:fld>
             <a:endParaRPr lang="zh-CN" altLang="en-US"/>
           </a:p>
@@ -21539,7 +21539,7 @@
             </a:pPr>
             <a:fld id="{EAB90307-7F42-4B81-B6F6-9F0DA122F7C7}" type="datetimeFigureOut">
               <a:rPr lang="zh-CN" altLang="en-US"/>
-              <a:t>2018/8/23</a:t>
+              <a:t>2018/9/3</a:t>
             </a:fld>
             <a:endParaRPr lang="zh-CN" altLang="en-US"/>
           </a:p>
@@ -21673,7 +21673,7 @@
             </a:pPr>
             <a:fld id="{06DE056A-FF48-41B0-A803-A598062AF77D}" type="datetimeFigureOut">
               <a:rPr lang="zh-CN" altLang="en-US"/>
-              <a:t>2018/8/23</a:t>
+              <a:t>2018/9/3</a:t>
             </a:fld>
             <a:endParaRPr lang="zh-CN" altLang="en-US"/>
           </a:p>
@@ -21784,7 +21784,7 @@
             </a:pPr>
             <a:fld id="{5F81C35E-E7D3-4469-947C-2425E5EE580C}" type="datetimeFigureOut">
               <a:rPr lang="zh-CN" altLang="en-US"/>
-              <a:t>2018/8/23</a:t>
+              <a:t>2018/9/3</a:t>
             </a:fld>
             <a:endParaRPr lang="zh-CN" altLang="en-US"/>
           </a:p>
@@ -22077,7 +22077,7 @@
             </a:pPr>
             <a:fld id="{0ED69449-315C-42C2-B188-11FBC31149B5}" type="datetimeFigureOut">
               <a:rPr lang="zh-CN" altLang="en-US"/>
-              <a:t>2018/8/23</a:t>
+              <a:t>2018/9/3</a:t>
             </a:fld>
             <a:endParaRPr lang="zh-CN" altLang="en-US"/>
           </a:p>
@@ -22347,7 +22347,7 @@
             </a:pPr>
             <a:fld id="{662F8D1C-9B98-4BAA-93B8-BC29C21FDE4C}" type="datetimeFigureOut">
               <a:rPr lang="zh-CN" altLang="en-US"/>
-              <a:t>2018/8/23</a:t>
+              <a:t>2018/9/3</a:t>
             </a:fld>
             <a:endParaRPr lang="zh-CN" altLang="en-US"/>
           </a:p>
@@ -22533,7 +22533,7 @@
             </a:pPr>
             <a:fld id="{172E5463-364A-415D-A2F4-15C4E0C1CF7F}" type="datetimeFigureOut">
               <a:rPr lang="zh-CN" altLang="en-US"/>
-              <a:t>2018/8/23</a:t>
+              <a:t>2018/9/3</a:t>
             </a:fld>
             <a:endParaRPr lang="zh-CN" altLang="en-US"/>
           </a:p>
@@ -22729,7 +22729,7 @@
             </a:pPr>
             <a:fld id="{D19F3F6D-E770-451C-A93F-911BAE0958FA}" type="datetimeFigureOut">
               <a:rPr lang="zh-CN" altLang="en-US"/>
-              <a:t>2018/8/23</a:t>
+              <a:t>2018/9/3</a:t>
             </a:fld>
             <a:endParaRPr lang="zh-CN" altLang="en-US"/>
           </a:p>
@@ -22933,7 +22933,7 @@
             </a:pPr>
             <a:fld id="{18C97D75-64ED-4A27-95D3-9AA88D30261E}" type="datetimeFigureOut">
               <a:rPr lang="zh-CN" altLang="en-US"/>
-              <a:t>2018/8/23</a:t>
+              <a:t>2018/9/3</a:t>
             </a:fld>
             <a:endParaRPr lang="zh-CN" altLang="en-US"/>
           </a:p>
@@ -23119,7 +23119,7 @@
             </a:pPr>
             <a:fld id="{E7670809-928C-4EA6-9EE7-FC76850FC68D}" type="datetimeFigureOut">
               <a:rPr lang="zh-CN" altLang="en-US"/>
-              <a:t>2018/8/23</a:t>
+              <a:t>2018/9/3</a:t>
             </a:fld>
             <a:endParaRPr lang="zh-CN" altLang="en-US"/>
           </a:p>
@@ -23327,7 +23327,7 @@
             </a:pPr>
             <a:fld id="{E8269F11-37C6-40AD-8554-A8A37C9B70CB}" type="datetimeFigureOut">
               <a:rPr lang="zh-CN" altLang="en-US"/>
-              <a:t>2018/8/23</a:t>
+              <a:t>2018/9/3</a:t>
             </a:fld>
             <a:endParaRPr lang="zh-CN" altLang="en-US"/>
           </a:p>
@@ -23438,7 +23438,7 @@
             </a:pPr>
             <a:fld id="{47B922AF-2D79-44DC-8887-05E5D10022BF}" type="datetimeFigureOut">
               <a:rPr lang="zh-CN" altLang="en-US"/>
-              <a:t>2018/8/23</a:t>
+              <a:t>2018/9/3</a:t>
             </a:fld>
             <a:endParaRPr lang="zh-CN" altLang="en-US"/>
           </a:p>
@@ -23742,7 +23742,7 @@
             </a:pPr>
             <a:fld id="{4E7FFAFB-3A1A-47F1-9CD8-7F75044DD751}" type="datetimeFigureOut">
               <a:rPr lang="zh-CN" altLang="en-US"/>
-              <a:t>2018/8/23</a:t>
+              <a:t>2018/9/3</a:t>
             </a:fld>
             <a:endParaRPr lang="zh-CN" altLang="en-US"/>
           </a:p>
@@ -24180,7 +24180,7 @@
             </a:pPr>
             <a:fld id="{348CDAF8-0344-464B-B4A9-B9DC234966CA}" type="datetimeFigureOut">
               <a:rPr lang="zh-CN" altLang="en-US"/>
-              <a:t>2018/8/23</a:t>
+              <a:t>2018/9/3</a:t>
             </a:fld>
             <a:endParaRPr lang="zh-CN" altLang="en-US"/>
           </a:p>
@@ -24314,7 +24314,7 @@
             </a:pPr>
             <a:fld id="{5AA6B075-7C40-419E-8089-CC926DBBAF50}" type="datetimeFigureOut">
               <a:rPr lang="zh-CN" altLang="en-US"/>
-              <a:t>2018/8/23</a:t>
+              <a:t>2018/9/3</a:t>
             </a:fld>
             <a:endParaRPr lang="zh-CN" altLang="en-US"/>
           </a:p>
@@ -24425,7 +24425,7 @@
             </a:pPr>
             <a:fld id="{2A165F21-9CA8-401A-9E27-F13D5FA9FB19}" type="datetimeFigureOut">
               <a:rPr lang="zh-CN" altLang="en-US"/>
-              <a:t>2018/8/23</a:t>
+              <a:t>2018/9/3</a:t>
             </a:fld>
             <a:endParaRPr lang="zh-CN" altLang="en-US"/>
           </a:p>
@@ -24718,7 +24718,7 @@
             </a:pPr>
             <a:fld id="{80F15429-63EE-4521-A602-986F191568C6}" type="datetimeFigureOut">
               <a:rPr lang="zh-CN" altLang="en-US"/>
-              <a:t>2018/8/23</a:t>
+              <a:t>2018/9/3</a:t>
             </a:fld>
             <a:endParaRPr lang="zh-CN" altLang="en-US"/>
           </a:p>
@@ -24988,7 +24988,7 @@
             </a:pPr>
             <a:fld id="{A8F525DD-AE07-43D2-B37D-ADEBDB45E487}" type="datetimeFigureOut">
               <a:rPr lang="zh-CN" altLang="en-US"/>
-              <a:t>2018/8/23</a:t>
+              <a:t>2018/9/3</a:t>
             </a:fld>
             <a:endParaRPr lang="zh-CN" altLang="en-US"/>
           </a:p>
@@ -25174,7 +25174,7 @@
             </a:pPr>
             <a:fld id="{392F8C3C-14CA-4F40-9E3B-EF18D4207765}" type="datetimeFigureOut">
               <a:rPr lang="zh-CN" altLang="en-US"/>
-              <a:t>2018/8/23</a:t>
+              <a:t>2018/9/3</a:t>
             </a:fld>
             <a:endParaRPr lang="zh-CN" altLang="en-US"/>
           </a:p>
@@ -25370,7 +25370,7 @@
             </a:pPr>
             <a:fld id="{0CF7648E-326F-4D6F-AA01-C3E435F4DDFA}" type="datetimeFigureOut">
               <a:rPr lang="zh-CN" altLang="en-US"/>
-              <a:t>2018/8/23</a:t>
+              <a:t>2018/9/3</a:t>
             </a:fld>
             <a:endParaRPr lang="zh-CN" altLang="en-US"/>
           </a:p>
@@ -25574,7 +25574,7 @@
             </a:pPr>
             <a:fld id="{B024F453-D11B-4F86-9340-C301D08C68B9}" type="datetimeFigureOut">
               <a:rPr lang="zh-CN" altLang="en-US"/>
-              <a:t>2018/8/23</a:t>
+              <a:t>2018/9/3</a:t>
             </a:fld>
             <a:endParaRPr lang="zh-CN" altLang="en-US"/>
           </a:p>
@@ -25760,7 +25760,7 @@
             </a:pPr>
             <a:fld id="{01DAF3F8-12AB-4DD7-88FD-4DEC95F61558}" type="datetimeFigureOut">
               <a:rPr lang="zh-CN" altLang="en-US"/>
-              <a:t>2018/8/23</a:t>
+              <a:t>2018/9/3</a:t>
             </a:fld>
             <a:endParaRPr lang="zh-CN" altLang="en-US"/>
           </a:p>
@@ -26053,7 +26053,7 @@
             </a:pPr>
             <a:fld id="{82CBC02F-52A8-460A-BCE4-6E6F0EAB917B}" type="datetimeFigureOut">
               <a:rPr lang="zh-CN" altLang="en-US"/>
-              <a:t>2018/8/23</a:t>
+              <a:t>2018/9/3</a:t>
             </a:fld>
             <a:endParaRPr lang="zh-CN" altLang="en-US"/>
           </a:p>
@@ -26261,7 +26261,7 @@
             </a:pPr>
             <a:fld id="{24823D5B-33D5-4985-9FBE-E67B0CC8FD45}" type="datetimeFigureOut">
               <a:rPr lang="zh-CN" altLang="en-US"/>
-              <a:t>2018/8/23</a:t>
+              <a:t>2018/9/3</a:t>
             </a:fld>
             <a:endParaRPr lang="zh-CN" altLang="en-US"/>
           </a:p>
@@ -26565,7 +26565,7 @@
             </a:pPr>
             <a:fld id="{45F6912C-359F-47D8-A387-BC345B60243B}" type="datetimeFigureOut">
               <a:rPr lang="zh-CN" altLang="en-US"/>
-              <a:t>2018/8/23</a:t>
+              <a:t>2018/9/3</a:t>
             </a:fld>
             <a:endParaRPr lang="zh-CN" altLang="en-US"/>
           </a:p>
@@ -27003,7 +27003,7 @@
             </a:pPr>
             <a:fld id="{C3E5CE4A-C5F7-40FC-B310-47428FC1C9F1}" type="datetimeFigureOut">
               <a:rPr lang="zh-CN" altLang="en-US"/>
-              <a:t>2018/8/23</a:t>
+              <a:t>2018/9/3</a:t>
             </a:fld>
             <a:endParaRPr lang="zh-CN" altLang="en-US"/>
           </a:p>
@@ -27137,7 +27137,7 @@
             </a:pPr>
             <a:fld id="{85E975B0-9375-47CF-8121-AF3A4023E881}" type="datetimeFigureOut">
               <a:rPr lang="zh-CN" altLang="en-US"/>
-              <a:t>2018/8/23</a:t>
+              <a:t>2018/9/3</a:t>
             </a:fld>
             <a:endParaRPr lang="zh-CN" altLang="en-US"/>
           </a:p>
@@ -27248,7 +27248,7 @@
             </a:pPr>
             <a:fld id="{54C49D10-3759-4881-A964-50B51F72DBD6}" type="datetimeFigureOut">
               <a:rPr lang="zh-CN" altLang="en-US"/>
-              <a:t>2018/8/23</a:t>
+              <a:t>2018/9/3</a:t>
             </a:fld>
             <a:endParaRPr lang="zh-CN" altLang="en-US"/>
           </a:p>
@@ -27541,7 +27541,7 @@
             </a:pPr>
             <a:fld id="{E0F5EC29-47BD-4847-8278-05014EA05985}" type="datetimeFigureOut">
               <a:rPr lang="zh-CN" altLang="en-US"/>
-              <a:t>2018/8/23</a:t>
+              <a:t>2018/9/3</a:t>
             </a:fld>
             <a:endParaRPr lang="zh-CN" altLang="en-US"/>
           </a:p>
@@ -27811,7 +27811,7 @@
             </a:pPr>
             <a:fld id="{A649C446-4FC2-426B-95AE-CF95CD20057E}" type="datetimeFigureOut">
               <a:rPr lang="zh-CN" altLang="en-US"/>
-              <a:t>2018/8/23</a:t>
+              <a:t>2018/9/3</a:t>
             </a:fld>
             <a:endParaRPr lang="zh-CN" altLang="en-US"/>
           </a:p>
@@ -27997,7 +27997,7 @@
             </a:pPr>
             <a:fld id="{181007EB-2C83-475D-AF09-9B227B2DC9E8}" type="datetimeFigureOut">
               <a:rPr lang="zh-CN" altLang="en-US"/>
-              <a:t>2018/8/23</a:t>
+              <a:t>2018/9/3</a:t>
             </a:fld>
             <a:endParaRPr lang="zh-CN" altLang="en-US"/>
           </a:p>
@@ -28193,7 +28193,7 @@
             </a:pPr>
             <a:fld id="{70FE4C27-1A4E-463C-878E-0F8A192E14B7}" type="datetimeFigureOut">
               <a:rPr lang="zh-CN" altLang="en-US"/>
-              <a:t>2018/8/23</a:t>
+              <a:t>2018/9/3</a:t>
             </a:fld>
             <a:endParaRPr lang="zh-CN" altLang="en-US"/>
           </a:p>
@@ -28397,7 +28397,7 @@
             </a:pPr>
             <a:fld id="{48ECA6DA-A52B-4E6E-9C3F-23FD4BA8FAB7}" type="datetimeFigureOut">
               <a:rPr lang="zh-CN" altLang="en-US"/>
-              <a:t>2018/8/23</a:t>
+              <a:t>2018/9/3</a:t>
             </a:fld>
             <a:endParaRPr lang="zh-CN" altLang="en-US"/>
           </a:p>
@@ -28667,7 +28667,7 @@
             </a:pPr>
             <a:fld id="{8959F6EE-1198-4592-8FEC-E9DAF3FC5372}" type="datetimeFigureOut">
               <a:rPr lang="zh-CN" altLang="en-US"/>
-              <a:t>2018/8/23</a:t>
+              <a:t>2018/9/3</a:t>
             </a:fld>
             <a:endParaRPr lang="zh-CN" altLang="en-US"/>
           </a:p>
@@ -28853,7 +28853,7 @@
             </a:pPr>
             <a:fld id="{9D0FB39A-935D-4331-B7D5-3653FA426191}" type="datetimeFigureOut">
               <a:rPr lang="zh-CN" altLang="en-US"/>
-              <a:t>2018/8/23</a:t>
+              <a:t>2018/9/3</a:t>
             </a:fld>
             <a:endParaRPr lang="zh-CN" altLang="en-US"/>
           </a:p>
@@ -29061,7 +29061,7 @@
             </a:pPr>
             <a:fld id="{7C3F8B39-C367-4FBC-93CD-36CA008ECD88}" type="datetimeFigureOut">
               <a:rPr lang="zh-CN" altLang="en-US"/>
-              <a:t>2018/8/23</a:t>
+              <a:t>2018/9/3</a:t>
             </a:fld>
             <a:endParaRPr lang="zh-CN" altLang="en-US"/>
           </a:p>
@@ -29365,7 +29365,7 @@
             </a:pPr>
             <a:fld id="{D77B0A6B-8170-467E-A2AD-926D87CC10C3}" type="datetimeFigureOut">
               <a:rPr lang="zh-CN" altLang="en-US"/>
-              <a:t>2018/8/23</a:t>
+              <a:t>2018/9/3</a:t>
             </a:fld>
             <a:endParaRPr lang="zh-CN" altLang="en-US"/>
           </a:p>
@@ -29803,7 +29803,7 @@
             </a:pPr>
             <a:fld id="{47E4911D-9937-44F8-B8DE-AE7743874F50}" type="datetimeFigureOut">
               <a:rPr lang="zh-CN" altLang="en-US"/>
-              <a:t>2018/8/23</a:t>
+              <a:t>2018/9/3</a:t>
             </a:fld>
             <a:endParaRPr lang="zh-CN" altLang="en-US"/>
           </a:p>
@@ -29937,7 +29937,7 @@
             </a:pPr>
             <a:fld id="{BD988474-DF53-4110-A85A-1F3E61A43270}" type="datetimeFigureOut">
               <a:rPr lang="zh-CN" altLang="en-US"/>
-              <a:t>2018/8/23</a:t>
+              <a:t>2018/9/3</a:t>
             </a:fld>
             <a:endParaRPr lang="zh-CN" altLang="en-US"/>
           </a:p>
@@ -30048,7 +30048,7 @@
             </a:pPr>
             <a:fld id="{3973D124-5F00-4B6C-8652-36CE2DC62C29}" type="datetimeFigureOut">
               <a:rPr lang="zh-CN" altLang="en-US"/>
-              <a:t>2018/8/23</a:t>
+              <a:t>2018/9/3</a:t>
             </a:fld>
             <a:endParaRPr lang="zh-CN" altLang="en-US"/>
           </a:p>
@@ -30341,7 +30341,7 @@
             </a:pPr>
             <a:fld id="{708A728E-16BA-483A-9DAA-ED3B0F27BDC1}" type="datetimeFigureOut">
               <a:rPr lang="zh-CN" altLang="en-US"/>
-              <a:t>2018/8/23</a:t>
+              <a:t>2018/9/3</a:t>
             </a:fld>
             <a:endParaRPr lang="zh-CN" altLang="en-US"/>
           </a:p>
@@ -30611,7 +30611,7 @@
             </a:pPr>
             <a:fld id="{5ED9F0F1-1A55-4965-81AF-80AA1FBFE3C7}" type="datetimeFigureOut">
               <a:rPr lang="zh-CN" altLang="en-US"/>
-              <a:t>2018/8/23</a:t>
+              <a:t>2018/9/3</a:t>
             </a:fld>
             <a:endParaRPr lang="zh-CN" altLang="en-US"/>
           </a:p>
@@ -30797,7 +30797,7 @@
             </a:pPr>
             <a:fld id="{2E46017C-4184-4384-8762-9BDB67709266}" type="datetimeFigureOut">
               <a:rPr lang="zh-CN" altLang="en-US"/>
-              <a:t>2018/8/23</a:t>
+              <a:t>2018/9/3</a:t>
             </a:fld>
             <a:endParaRPr lang="zh-CN" altLang="en-US"/>
           </a:p>
@@ -30993,7 +30993,7 @@
             </a:pPr>
             <a:fld id="{17E63FA4-765E-4AB7-8C72-3C9911A3CC6D}" type="datetimeFigureOut">
               <a:rPr lang="zh-CN" altLang="en-US"/>
-              <a:t>2018/8/23</a:t>
+              <a:t>2018/9/3</a:t>
             </a:fld>
             <a:endParaRPr lang="zh-CN" altLang="en-US"/>
           </a:p>
@@ -31112,14 +31112,14 @@
           </a:ln>
           <a:extLst>
             <a:ext uri="{909E8E84-426E-40dd-AFC4-6F175D3DCCD1}">
-              <a14:hiddenFill xmlns:a14="http://schemas.microsoft.com/office/drawing/2010/main" xmlns="">
+              <a14:hiddenFill xmlns="" xmlns:a14="http://schemas.microsoft.com/office/drawing/2010/main">
                 <a:solidFill>
                   <a:srgbClr val="FFFFFF"/>
                 </a:solidFill>
               </a14:hiddenFill>
             </a:ext>
             <a:ext uri="{91240B29-F687-4f45-9708-019B960494DF}">
-              <a14:hiddenLine xmlns:a14="http://schemas.microsoft.com/office/drawing/2010/main" xmlns="" w="9525">
+              <a14:hiddenLine xmlns="" xmlns:a14="http://schemas.microsoft.com/office/drawing/2010/main" w="9525">
                 <a:solidFill>
                   <a:srgbClr val="000000"/>
                 </a:solidFill>
@@ -31166,14 +31166,14 @@
           </a:ln>
           <a:extLst>
             <a:ext uri="{909E8E84-426E-40dd-AFC4-6F175D3DCCD1}">
-              <a14:hiddenFill xmlns:a14="http://schemas.microsoft.com/office/drawing/2010/main" xmlns="">
+              <a14:hiddenFill xmlns="" xmlns:a14="http://schemas.microsoft.com/office/drawing/2010/main">
                 <a:solidFill>
                   <a:srgbClr val="FFFFFF"/>
                 </a:solidFill>
               </a14:hiddenFill>
             </a:ext>
             <a:ext uri="{91240B29-F687-4f45-9708-019B960494DF}">
-              <a14:hiddenLine xmlns:a14="http://schemas.microsoft.com/office/drawing/2010/main" xmlns="" w="9525">
+              <a14:hiddenLine xmlns="" xmlns:a14="http://schemas.microsoft.com/office/drawing/2010/main" w="9525">
                 <a:solidFill>
                   <a:srgbClr val="000000"/>
                 </a:solidFill>
@@ -31248,14 +31248,14 @@
           </a:ln>
           <a:extLst>
             <a:ext uri="{909E8E84-426E-40dd-AFC4-6F175D3DCCD1}">
-              <a14:hiddenFill xmlns:a14="http://schemas.microsoft.com/office/drawing/2010/main" xmlns="">
+              <a14:hiddenFill xmlns="" xmlns:a14="http://schemas.microsoft.com/office/drawing/2010/main">
                 <a:solidFill>
                   <a:srgbClr val="FFFFFF"/>
                 </a:solidFill>
               </a14:hiddenFill>
             </a:ext>
             <a:ext uri="{91240B29-F687-4f45-9708-019B960494DF}">
-              <a14:hiddenLine xmlns:a14="http://schemas.microsoft.com/office/drawing/2010/main" xmlns="" w="9525">
+              <a14:hiddenLine xmlns="" xmlns:a14="http://schemas.microsoft.com/office/drawing/2010/main" w="9525">
                 <a:solidFill>
                   <a:srgbClr val="000000"/>
                 </a:solidFill>
@@ -31283,7 +31283,7 @@
             </a:pPr>
             <a:fld id="{7F378FFD-BE70-47B1-BFEE-E03EB0084A1F}" type="datetimeFigureOut">
               <a:rPr lang="zh-CN" altLang="en-US"/>
-              <a:t>2018/8/23</a:t>
+              <a:t>2018/9/3</a:t>
             </a:fld>
             <a:endParaRPr lang="zh-CN" altLang="en-US"/>
           </a:p>
@@ -31313,14 +31313,14 @@
           </a:ln>
           <a:extLst>
             <a:ext uri="{909E8E84-426E-40dd-AFC4-6F175D3DCCD1}">
-              <a14:hiddenFill xmlns:a14="http://schemas.microsoft.com/office/drawing/2010/main" xmlns="">
+              <a14:hiddenFill xmlns="" xmlns:a14="http://schemas.microsoft.com/office/drawing/2010/main">
                 <a:solidFill>
                   <a:srgbClr val="FFFFFF"/>
                 </a:solidFill>
               </a14:hiddenFill>
             </a:ext>
             <a:ext uri="{91240B29-F687-4f45-9708-019B960494DF}">
-              <a14:hiddenLine xmlns:a14="http://schemas.microsoft.com/office/drawing/2010/main" xmlns="" w="9525">
+              <a14:hiddenLine xmlns="" xmlns:a14="http://schemas.microsoft.com/office/drawing/2010/main" w="9525">
                 <a:solidFill>
                   <a:srgbClr val="000000"/>
                 </a:solidFill>
@@ -31374,14 +31374,14 @@
           </a:ln>
           <a:extLst>
             <a:ext uri="{909E8E84-426E-40dd-AFC4-6F175D3DCCD1}">
-              <a14:hiddenFill xmlns:a14="http://schemas.microsoft.com/office/drawing/2010/main" xmlns="">
+              <a14:hiddenFill xmlns="" xmlns:a14="http://schemas.microsoft.com/office/drawing/2010/main">
                 <a:solidFill>
                   <a:srgbClr val="FFFFFF"/>
                 </a:solidFill>
               </a14:hiddenFill>
             </a:ext>
             <a:ext uri="{91240B29-F687-4f45-9708-019B960494DF}">
-              <a14:hiddenLine xmlns:a14="http://schemas.microsoft.com/office/drawing/2010/main" xmlns="" w="9525">
+              <a14:hiddenLine xmlns="" xmlns:a14="http://schemas.microsoft.com/office/drawing/2010/main" w="9525">
                 <a:solidFill>
                   <a:srgbClr val="000000"/>
                 </a:solidFill>
@@ -31932,14 +31932,14 @@
           </a:ln>
           <a:extLst>
             <a:ext uri="{909E8E84-426E-40dd-AFC4-6F175D3DCCD1}">
-              <a14:hiddenFill xmlns:a14="http://schemas.microsoft.com/office/drawing/2010/main" xmlns="">
+              <a14:hiddenFill xmlns="" xmlns:a14="http://schemas.microsoft.com/office/drawing/2010/main">
                 <a:solidFill>
                   <a:srgbClr val="FFFFFF"/>
                 </a:solidFill>
               </a14:hiddenFill>
             </a:ext>
             <a:ext uri="{91240B29-F687-4f45-9708-019B960494DF}">
-              <a14:hiddenLine xmlns:a14="http://schemas.microsoft.com/office/drawing/2010/main" xmlns="" w="9525">
+              <a14:hiddenLine xmlns="" xmlns:a14="http://schemas.microsoft.com/office/drawing/2010/main" w="9525">
                 <a:solidFill>
                   <a:srgbClr val="000000"/>
                 </a:solidFill>
@@ -31986,14 +31986,14 @@
           </a:ln>
           <a:extLst>
             <a:ext uri="{909E8E84-426E-40dd-AFC4-6F175D3DCCD1}">
-              <a14:hiddenFill xmlns:a14="http://schemas.microsoft.com/office/drawing/2010/main" xmlns="">
+              <a14:hiddenFill xmlns="" xmlns:a14="http://schemas.microsoft.com/office/drawing/2010/main">
                 <a:solidFill>
                   <a:srgbClr val="FFFFFF"/>
                 </a:solidFill>
               </a14:hiddenFill>
             </a:ext>
             <a:ext uri="{91240B29-F687-4f45-9708-019B960494DF}">
-              <a14:hiddenLine xmlns:a14="http://schemas.microsoft.com/office/drawing/2010/main" xmlns="" w="9525">
+              <a14:hiddenLine xmlns="" xmlns:a14="http://schemas.microsoft.com/office/drawing/2010/main" w="9525">
                 <a:solidFill>
                   <a:srgbClr val="000000"/>
                 </a:solidFill>
@@ -32068,14 +32068,14 @@
           </a:ln>
           <a:extLst>
             <a:ext uri="{909E8E84-426E-40dd-AFC4-6F175D3DCCD1}">
-              <a14:hiddenFill xmlns:a14="http://schemas.microsoft.com/office/drawing/2010/main" xmlns="">
+              <a14:hiddenFill xmlns="" xmlns:a14="http://schemas.microsoft.com/office/drawing/2010/main">
                 <a:solidFill>
                   <a:srgbClr val="FFFFFF"/>
                 </a:solidFill>
               </a14:hiddenFill>
             </a:ext>
             <a:ext uri="{91240B29-F687-4f45-9708-019B960494DF}">
-              <a14:hiddenLine xmlns:a14="http://schemas.microsoft.com/office/drawing/2010/main" xmlns="" w="9525">
+              <a14:hiddenLine xmlns="" xmlns:a14="http://schemas.microsoft.com/office/drawing/2010/main" w="9525">
                 <a:solidFill>
                   <a:srgbClr val="000000"/>
                 </a:solidFill>
@@ -32104,7 +32104,7 @@
             </a:pPr>
             <a:fld id="{A870AF8C-30FC-4953-B764-AA4D84965B79}" type="datetimeFigureOut">
               <a:rPr lang="zh-CN" altLang="en-US"/>
-              <a:t>2018/8/23</a:t>
+              <a:t>2018/9/3</a:t>
             </a:fld>
             <a:endParaRPr lang="zh-CN" altLang="en-US"/>
           </a:p>
@@ -32134,14 +32134,14 @@
           </a:ln>
           <a:extLst>
             <a:ext uri="{909E8E84-426E-40dd-AFC4-6F175D3DCCD1}">
-              <a14:hiddenFill xmlns:a14="http://schemas.microsoft.com/office/drawing/2010/main" xmlns="">
+              <a14:hiddenFill xmlns="" xmlns:a14="http://schemas.microsoft.com/office/drawing/2010/main">
                 <a:solidFill>
                   <a:srgbClr val="FFFFFF"/>
                 </a:solidFill>
               </a14:hiddenFill>
             </a:ext>
             <a:ext uri="{91240B29-F687-4f45-9708-019B960494DF}">
-              <a14:hiddenLine xmlns:a14="http://schemas.microsoft.com/office/drawing/2010/main" xmlns="" w="9525">
+              <a14:hiddenLine xmlns="" xmlns:a14="http://schemas.microsoft.com/office/drawing/2010/main" w="9525">
                 <a:solidFill>
                   <a:srgbClr val="000000"/>
                 </a:solidFill>
@@ -32196,14 +32196,14 @@
           </a:ln>
           <a:extLst>
             <a:ext uri="{909E8E84-426E-40dd-AFC4-6F175D3DCCD1}">
-              <a14:hiddenFill xmlns:a14="http://schemas.microsoft.com/office/drawing/2010/main" xmlns="">
+              <a14:hiddenFill xmlns="" xmlns:a14="http://schemas.microsoft.com/office/drawing/2010/main">
                 <a:solidFill>
                   <a:srgbClr val="FFFFFF"/>
                 </a:solidFill>
               </a14:hiddenFill>
             </a:ext>
             <a:ext uri="{91240B29-F687-4f45-9708-019B960494DF}">
-              <a14:hiddenLine xmlns:a14="http://schemas.microsoft.com/office/drawing/2010/main" xmlns="" w="9525">
+              <a14:hiddenLine xmlns="" xmlns:a14="http://schemas.microsoft.com/office/drawing/2010/main" w="9525">
                 <a:solidFill>
                   <a:srgbClr val="000000"/>
                 </a:solidFill>
@@ -32701,14 +32701,14 @@
           </a:ln>
           <a:extLst>
             <a:ext uri="{909E8E84-426E-40dd-AFC4-6F175D3DCCD1}">
-              <a14:hiddenFill xmlns:a14="http://schemas.microsoft.com/office/drawing/2010/main" xmlns="">
+              <a14:hiddenFill xmlns="" xmlns:a14="http://schemas.microsoft.com/office/drawing/2010/main">
                 <a:solidFill>
                   <a:srgbClr val="FFFFFF"/>
                 </a:solidFill>
               </a14:hiddenFill>
             </a:ext>
             <a:ext uri="{91240B29-F687-4f45-9708-019B960494DF}">
-              <a14:hiddenLine xmlns:a14="http://schemas.microsoft.com/office/drawing/2010/main" xmlns="" w="9525">
+              <a14:hiddenLine xmlns="" xmlns:a14="http://schemas.microsoft.com/office/drawing/2010/main" w="9525">
                 <a:solidFill>
                   <a:srgbClr val="000000"/>
                 </a:solidFill>
@@ -32755,14 +32755,14 @@
           </a:ln>
           <a:extLst>
             <a:ext uri="{909E8E84-426E-40dd-AFC4-6F175D3DCCD1}">
-              <a14:hiddenFill xmlns:a14="http://schemas.microsoft.com/office/drawing/2010/main" xmlns="">
+              <a14:hiddenFill xmlns="" xmlns:a14="http://schemas.microsoft.com/office/drawing/2010/main">
                 <a:solidFill>
                   <a:srgbClr val="FFFFFF"/>
                 </a:solidFill>
               </a14:hiddenFill>
             </a:ext>
             <a:ext uri="{91240B29-F687-4f45-9708-019B960494DF}">
-              <a14:hiddenLine xmlns:a14="http://schemas.microsoft.com/office/drawing/2010/main" xmlns="" w="9525">
+              <a14:hiddenLine xmlns="" xmlns:a14="http://schemas.microsoft.com/office/drawing/2010/main" w="9525">
                 <a:solidFill>
                   <a:srgbClr val="000000"/>
                 </a:solidFill>
@@ -32837,14 +32837,14 @@
           </a:ln>
           <a:extLst>
             <a:ext uri="{909E8E84-426E-40dd-AFC4-6F175D3DCCD1}">
-              <a14:hiddenFill xmlns:a14="http://schemas.microsoft.com/office/drawing/2010/main" xmlns="">
+              <a14:hiddenFill xmlns="" xmlns:a14="http://schemas.microsoft.com/office/drawing/2010/main">
                 <a:solidFill>
                   <a:srgbClr val="FFFFFF"/>
                 </a:solidFill>
               </a14:hiddenFill>
             </a:ext>
             <a:ext uri="{91240B29-F687-4f45-9708-019B960494DF}">
-              <a14:hiddenLine xmlns:a14="http://schemas.microsoft.com/office/drawing/2010/main" xmlns="" w="9525">
+              <a14:hiddenLine xmlns="" xmlns:a14="http://schemas.microsoft.com/office/drawing/2010/main" w="9525">
                 <a:solidFill>
                   <a:srgbClr val="000000"/>
                 </a:solidFill>
@@ -32873,7 +32873,7 @@
             </a:pPr>
             <a:fld id="{01C66336-B430-472D-A259-7FC2B7E68CAC}" type="datetimeFigureOut">
               <a:rPr lang="zh-CN" altLang="en-US"/>
-              <a:t>2018/8/23</a:t>
+              <a:t>2018/9/3</a:t>
             </a:fld>
             <a:endParaRPr lang="zh-CN" altLang="en-US"/>
           </a:p>
@@ -32903,14 +32903,14 @@
           </a:ln>
           <a:extLst>
             <a:ext uri="{909E8E84-426E-40dd-AFC4-6F175D3DCCD1}">
-              <a14:hiddenFill xmlns:a14="http://schemas.microsoft.com/office/drawing/2010/main" xmlns="">
+              <a14:hiddenFill xmlns="" xmlns:a14="http://schemas.microsoft.com/office/drawing/2010/main">
                 <a:solidFill>
                   <a:srgbClr val="FFFFFF"/>
                 </a:solidFill>
               </a14:hiddenFill>
             </a:ext>
             <a:ext uri="{91240B29-F687-4f45-9708-019B960494DF}">
-              <a14:hiddenLine xmlns:a14="http://schemas.microsoft.com/office/drawing/2010/main" xmlns="" w="9525">
+              <a14:hiddenLine xmlns="" xmlns:a14="http://schemas.microsoft.com/office/drawing/2010/main" w="9525">
                 <a:solidFill>
                   <a:srgbClr val="000000"/>
                 </a:solidFill>
@@ -32965,14 +32965,14 @@
           </a:ln>
           <a:extLst>
             <a:ext uri="{909E8E84-426E-40dd-AFC4-6F175D3DCCD1}">
-              <a14:hiddenFill xmlns:a14="http://schemas.microsoft.com/office/drawing/2010/main" xmlns="">
+              <a14:hiddenFill xmlns="" xmlns:a14="http://schemas.microsoft.com/office/drawing/2010/main">
                 <a:solidFill>
                   <a:srgbClr val="FFFFFF"/>
                 </a:solidFill>
               </a14:hiddenFill>
             </a:ext>
             <a:ext uri="{91240B29-F687-4f45-9708-019B960494DF}">
-              <a14:hiddenLine xmlns:a14="http://schemas.microsoft.com/office/drawing/2010/main" xmlns="" w="9525">
+              <a14:hiddenLine xmlns="" xmlns:a14="http://schemas.microsoft.com/office/drawing/2010/main" w="9525">
                 <a:solidFill>
                   <a:srgbClr val="000000"/>
                 </a:solidFill>
@@ -33470,14 +33470,14 @@
           </a:ln>
           <a:extLst>
             <a:ext uri="{909E8E84-426E-40dd-AFC4-6F175D3DCCD1}">
-              <a14:hiddenFill xmlns:a14="http://schemas.microsoft.com/office/drawing/2010/main" xmlns="">
+              <a14:hiddenFill xmlns="" xmlns:a14="http://schemas.microsoft.com/office/drawing/2010/main">
                 <a:solidFill>
                   <a:srgbClr val="FFFFFF"/>
                 </a:solidFill>
               </a14:hiddenFill>
             </a:ext>
             <a:ext uri="{91240B29-F687-4f45-9708-019B960494DF}">
-              <a14:hiddenLine xmlns:a14="http://schemas.microsoft.com/office/drawing/2010/main" xmlns="" w="9525">
+              <a14:hiddenLine xmlns="" xmlns:a14="http://schemas.microsoft.com/office/drawing/2010/main" w="9525">
                 <a:solidFill>
                   <a:srgbClr val="000000"/>
                 </a:solidFill>
@@ -33524,14 +33524,14 @@
           </a:ln>
           <a:extLst>
             <a:ext uri="{909E8E84-426E-40dd-AFC4-6F175D3DCCD1}">
-              <a14:hiddenFill xmlns:a14="http://schemas.microsoft.com/office/drawing/2010/main" xmlns="">
+              <a14:hiddenFill xmlns="" xmlns:a14="http://schemas.microsoft.com/office/drawing/2010/main">
                 <a:solidFill>
                   <a:srgbClr val="FFFFFF"/>
                 </a:solidFill>
               </a14:hiddenFill>
             </a:ext>
             <a:ext uri="{91240B29-F687-4f45-9708-019B960494DF}">
-              <a14:hiddenLine xmlns:a14="http://schemas.microsoft.com/office/drawing/2010/main" xmlns="" w="9525">
+              <a14:hiddenLine xmlns="" xmlns:a14="http://schemas.microsoft.com/office/drawing/2010/main" w="9525">
                 <a:solidFill>
                   <a:srgbClr val="000000"/>
                 </a:solidFill>
@@ -33606,14 +33606,14 @@
           </a:ln>
           <a:extLst>
             <a:ext uri="{909E8E84-426E-40dd-AFC4-6F175D3DCCD1}">
-              <a14:hiddenFill xmlns:a14="http://schemas.microsoft.com/office/drawing/2010/main" xmlns="">
+              <a14:hiddenFill xmlns="" xmlns:a14="http://schemas.microsoft.com/office/drawing/2010/main">
                 <a:solidFill>
                   <a:srgbClr val="FFFFFF"/>
                 </a:solidFill>
               </a14:hiddenFill>
             </a:ext>
             <a:ext uri="{91240B29-F687-4f45-9708-019B960494DF}">
-              <a14:hiddenLine xmlns:a14="http://schemas.microsoft.com/office/drawing/2010/main" xmlns="" w="9525">
+              <a14:hiddenLine xmlns="" xmlns:a14="http://schemas.microsoft.com/office/drawing/2010/main" w="9525">
                 <a:solidFill>
                   <a:srgbClr val="000000"/>
                 </a:solidFill>
@@ -33642,7 +33642,7 @@
             </a:pPr>
             <a:fld id="{D3794A62-93BB-4A2D-B843-B493D8ED773E}" type="datetimeFigureOut">
               <a:rPr lang="zh-CN" altLang="en-US"/>
-              <a:t>2018/8/23</a:t>
+              <a:t>2018/9/3</a:t>
             </a:fld>
             <a:endParaRPr lang="zh-CN" altLang="en-US"/>
           </a:p>
@@ -33672,14 +33672,14 @@
           </a:ln>
           <a:extLst>
             <a:ext uri="{909E8E84-426E-40dd-AFC4-6F175D3DCCD1}">
-              <a14:hiddenFill xmlns:a14="http://schemas.microsoft.com/office/drawing/2010/main" xmlns="">
+              <a14:hiddenFill xmlns="" xmlns:a14="http://schemas.microsoft.com/office/drawing/2010/main">
                 <a:solidFill>
                   <a:srgbClr val="FFFFFF"/>
                 </a:solidFill>
               </a14:hiddenFill>
             </a:ext>
             <a:ext uri="{91240B29-F687-4f45-9708-019B960494DF}">
-              <a14:hiddenLine xmlns:a14="http://schemas.microsoft.com/office/drawing/2010/main" xmlns="" w="9525">
+              <a14:hiddenLine xmlns="" xmlns:a14="http://schemas.microsoft.com/office/drawing/2010/main" w="9525">
                 <a:solidFill>
                   <a:srgbClr val="000000"/>
                 </a:solidFill>
@@ -33734,14 +33734,14 @@
           </a:ln>
           <a:extLst>
             <a:ext uri="{909E8E84-426E-40dd-AFC4-6F175D3DCCD1}">
-              <a14:hiddenFill xmlns:a14="http://schemas.microsoft.com/office/drawing/2010/main" xmlns="">
+              <a14:hiddenFill xmlns="" xmlns:a14="http://schemas.microsoft.com/office/drawing/2010/main">
                 <a:solidFill>
                   <a:srgbClr val="FFFFFF"/>
                 </a:solidFill>
               </a14:hiddenFill>
             </a:ext>
             <a:ext uri="{91240B29-F687-4f45-9708-019B960494DF}">
-              <a14:hiddenLine xmlns:a14="http://schemas.microsoft.com/office/drawing/2010/main" xmlns="" w="9525">
+              <a14:hiddenLine xmlns="" xmlns:a14="http://schemas.microsoft.com/office/drawing/2010/main" w="9525">
                 <a:solidFill>
                   <a:srgbClr val="000000"/>
                 </a:solidFill>
@@ -34239,14 +34239,14 @@
           </a:ln>
           <a:extLst>
             <a:ext uri="{909E8E84-426E-40dd-AFC4-6F175D3DCCD1}">
-              <a14:hiddenFill xmlns:a14="http://schemas.microsoft.com/office/drawing/2010/main" xmlns="">
+              <a14:hiddenFill xmlns="" xmlns:a14="http://schemas.microsoft.com/office/drawing/2010/main">
                 <a:solidFill>
                   <a:srgbClr val="FFFFFF"/>
                 </a:solidFill>
               </a14:hiddenFill>
             </a:ext>
             <a:ext uri="{91240B29-F687-4f45-9708-019B960494DF}">
-              <a14:hiddenLine xmlns:a14="http://schemas.microsoft.com/office/drawing/2010/main" xmlns="" w="9525">
+              <a14:hiddenLine xmlns="" xmlns:a14="http://schemas.microsoft.com/office/drawing/2010/main" w="9525">
                 <a:solidFill>
                   <a:srgbClr val="000000"/>
                 </a:solidFill>
@@ -34293,14 +34293,14 @@
           </a:ln>
           <a:extLst>
             <a:ext uri="{909E8E84-426E-40dd-AFC4-6F175D3DCCD1}">
-              <a14:hiddenFill xmlns:a14="http://schemas.microsoft.com/office/drawing/2010/main" xmlns="">
+              <a14:hiddenFill xmlns="" xmlns:a14="http://schemas.microsoft.com/office/drawing/2010/main">
                 <a:solidFill>
                   <a:srgbClr val="FFFFFF"/>
                 </a:solidFill>
               </a14:hiddenFill>
             </a:ext>
             <a:ext uri="{91240B29-F687-4f45-9708-019B960494DF}">
-              <a14:hiddenLine xmlns:a14="http://schemas.microsoft.com/office/drawing/2010/main" xmlns="" w="9525">
+              <a14:hiddenLine xmlns="" xmlns:a14="http://schemas.microsoft.com/office/drawing/2010/main" w="9525">
                 <a:solidFill>
                   <a:srgbClr val="000000"/>
                 </a:solidFill>
@@ -34375,14 +34375,14 @@
           </a:ln>
           <a:extLst>
             <a:ext uri="{909E8E84-426E-40dd-AFC4-6F175D3DCCD1}">
-              <a14:hiddenFill xmlns:a14="http://schemas.microsoft.com/office/drawing/2010/main" xmlns="">
+              <a14:hiddenFill xmlns="" xmlns:a14="http://schemas.microsoft.com/office/drawing/2010/main">
                 <a:solidFill>
                   <a:srgbClr val="FFFFFF"/>
                 </a:solidFill>
               </a14:hiddenFill>
             </a:ext>
             <a:ext uri="{91240B29-F687-4f45-9708-019B960494DF}">
-              <a14:hiddenLine xmlns:a14="http://schemas.microsoft.com/office/drawing/2010/main" xmlns="" w="9525">
+              <a14:hiddenLine xmlns="" xmlns:a14="http://schemas.microsoft.com/office/drawing/2010/main" w="9525">
                 <a:solidFill>
                   <a:srgbClr val="000000"/>
                 </a:solidFill>
@@ -34411,7 +34411,7 @@
             </a:pPr>
             <a:fld id="{A5D6CF6B-ADD0-4605-97E4-55C16FB1162C}" type="datetimeFigureOut">
               <a:rPr lang="zh-CN" altLang="en-US"/>
-              <a:t>2018/8/23</a:t>
+              <a:t>2018/9/3</a:t>
             </a:fld>
             <a:endParaRPr lang="zh-CN" altLang="en-US"/>
           </a:p>
@@ -34441,14 +34441,14 @@
           </a:ln>
           <a:extLst>
             <a:ext uri="{909E8E84-426E-40dd-AFC4-6F175D3DCCD1}">
-              <a14:hiddenFill xmlns:a14="http://schemas.microsoft.com/office/drawing/2010/main" xmlns="">
+              <a14:hiddenFill xmlns="" xmlns:a14="http://schemas.microsoft.com/office/drawing/2010/main">
                 <a:solidFill>
                   <a:srgbClr val="FFFFFF"/>
                 </a:solidFill>
               </a14:hiddenFill>
             </a:ext>
             <a:ext uri="{91240B29-F687-4f45-9708-019B960494DF}">
-              <a14:hiddenLine xmlns:a14="http://schemas.microsoft.com/office/drawing/2010/main" xmlns="" w="9525">
+              <a14:hiddenLine xmlns="" xmlns:a14="http://schemas.microsoft.com/office/drawing/2010/main" w="9525">
                 <a:solidFill>
                   <a:srgbClr val="000000"/>
                 </a:solidFill>
@@ -34503,14 +34503,14 @@
           </a:ln>
           <a:extLst>
             <a:ext uri="{909E8E84-426E-40dd-AFC4-6F175D3DCCD1}">
-              <a14:hiddenFill xmlns:a14="http://schemas.microsoft.com/office/drawing/2010/main" xmlns="">
+              <a14:hiddenFill xmlns="" xmlns:a14="http://schemas.microsoft.com/office/drawing/2010/main">
                 <a:solidFill>
                   <a:srgbClr val="FFFFFF"/>
                 </a:solidFill>
               </a14:hiddenFill>
             </a:ext>
             <a:ext uri="{91240B29-F687-4f45-9708-019B960494DF}">
-              <a14:hiddenLine xmlns:a14="http://schemas.microsoft.com/office/drawing/2010/main" xmlns="" w="9525">
+              <a14:hiddenLine xmlns="" xmlns:a14="http://schemas.microsoft.com/office/drawing/2010/main" w="9525">
                 <a:solidFill>
                   <a:srgbClr val="000000"/>
                 </a:solidFill>
@@ -35008,14 +35008,14 @@
           </a:ln>
           <a:extLst>
             <a:ext uri="{909E8E84-426E-40dd-AFC4-6F175D3DCCD1}">
-              <a14:hiddenFill xmlns:a14="http://schemas.microsoft.com/office/drawing/2010/main" xmlns="">
+              <a14:hiddenFill xmlns="" xmlns:a14="http://schemas.microsoft.com/office/drawing/2010/main">
                 <a:solidFill>
                   <a:srgbClr val="FFFFFF"/>
                 </a:solidFill>
               </a14:hiddenFill>
             </a:ext>
             <a:ext uri="{91240B29-F687-4f45-9708-019B960494DF}">
-              <a14:hiddenLine xmlns:a14="http://schemas.microsoft.com/office/drawing/2010/main" xmlns="" w="9525">
+              <a14:hiddenLine xmlns="" xmlns:a14="http://schemas.microsoft.com/office/drawing/2010/main" w="9525">
                 <a:solidFill>
                   <a:srgbClr val="000000"/>
                 </a:solidFill>
@@ -35062,14 +35062,14 @@
           </a:ln>
           <a:extLst>
             <a:ext uri="{909E8E84-426E-40dd-AFC4-6F175D3DCCD1}">
-              <a14:hiddenFill xmlns:a14="http://schemas.microsoft.com/office/drawing/2010/main" xmlns="">
+              <a14:hiddenFill xmlns="" xmlns:a14="http://schemas.microsoft.com/office/drawing/2010/main">
                 <a:solidFill>
                   <a:srgbClr val="FFFFFF"/>
                 </a:solidFill>
               </a14:hiddenFill>
             </a:ext>
             <a:ext uri="{91240B29-F687-4f45-9708-019B960494DF}">
-              <a14:hiddenLine xmlns:a14="http://schemas.microsoft.com/office/drawing/2010/main" xmlns="" w="9525">
+              <a14:hiddenLine xmlns="" xmlns:a14="http://schemas.microsoft.com/office/drawing/2010/main" w="9525">
                 <a:solidFill>
                   <a:srgbClr val="000000"/>
                 </a:solidFill>
@@ -35144,14 +35144,14 @@
           </a:ln>
           <a:extLst>
             <a:ext uri="{909E8E84-426E-40dd-AFC4-6F175D3DCCD1}">
-              <a14:hiddenFill xmlns:a14="http://schemas.microsoft.com/office/drawing/2010/main" xmlns="">
+              <a14:hiddenFill xmlns="" xmlns:a14="http://schemas.microsoft.com/office/drawing/2010/main">
                 <a:solidFill>
                   <a:srgbClr val="FFFFFF"/>
                 </a:solidFill>
               </a14:hiddenFill>
             </a:ext>
             <a:ext uri="{91240B29-F687-4f45-9708-019B960494DF}">
-              <a14:hiddenLine xmlns:a14="http://schemas.microsoft.com/office/drawing/2010/main" xmlns="" w="9525">
+              <a14:hiddenLine xmlns="" xmlns:a14="http://schemas.microsoft.com/office/drawing/2010/main" w="9525">
                 <a:solidFill>
                   <a:srgbClr val="000000"/>
                 </a:solidFill>
@@ -35180,7 +35180,7 @@
             </a:pPr>
             <a:fld id="{217E5387-2008-47FC-B4EB-B0399464B045}" type="datetimeFigureOut">
               <a:rPr lang="zh-CN" altLang="en-US"/>
-              <a:t>2018/8/23</a:t>
+              <a:t>2018/9/3</a:t>
             </a:fld>
             <a:endParaRPr lang="zh-CN" altLang="en-US"/>
           </a:p>
@@ -35210,14 +35210,14 @@
           </a:ln>
           <a:extLst>
             <a:ext uri="{909E8E84-426E-40dd-AFC4-6F175D3DCCD1}">
-              <a14:hiddenFill xmlns:a14="http://schemas.microsoft.com/office/drawing/2010/main" xmlns="">
+              <a14:hiddenFill xmlns="" xmlns:a14="http://schemas.microsoft.com/office/drawing/2010/main">
                 <a:solidFill>
                   <a:srgbClr val="FFFFFF"/>
                 </a:solidFill>
               </a14:hiddenFill>
             </a:ext>
             <a:ext uri="{91240B29-F687-4f45-9708-019B960494DF}">
-              <a14:hiddenLine xmlns:a14="http://schemas.microsoft.com/office/drawing/2010/main" xmlns="" w="9525">
+              <a14:hiddenLine xmlns="" xmlns:a14="http://schemas.microsoft.com/office/drawing/2010/main" w="9525">
                 <a:solidFill>
                   <a:srgbClr val="000000"/>
                 </a:solidFill>
@@ -35272,14 +35272,14 @@
           </a:ln>
           <a:extLst>
             <a:ext uri="{909E8E84-426E-40dd-AFC4-6F175D3DCCD1}">
-              <a14:hiddenFill xmlns:a14="http://schemas.microsoft.com/office/drawing/2010/main" xmlns="">
+              <a14:hiddenFill xmlns="" xmlns:a14="http://schemas.microsoft.com/office/drawing/2010/main">
                 <a:solidFill>
                   <a:srgbClr val="FFFFFF"/>
                 </a:solidFill>
               </a14:hiddenFill>
             </a:ext>
             <a:ext uri="{91240B29-F687-4f45-9708-019B960494DF}">
-              <a14:hiddenLine xmlns:a14="http://schemas.microsoft.com/office/drawing/2010/main" xmlns="" w="9525">
+              <a14:hiddenLine xmlns="" xmlns:a14="http://schemas.microsoft.com/office/drawing/2010/main" w="9525">
                 <a:solidFill>
                   <a:srgbClr val="000000"/>
                 </a:solidFill>
@@ -35777,14 +35777,14 @@
           </a:ln>
           <a:extLst>
             <a:ext uri="{909E8E84-426E-40dd-AFC4-6F175D3DCCD1}">
-              <a14:hiddenFill xmlns:a14="http://schemas.microsoft.com/office/drawing/2010/main" xmlns="">
+              <a14:hiddenFill xmlns="" xmlns:a14="http://schemas.microsoft.com/office/drawing/2010/main">
                 <a:solidFill>
                   <a:srgbClr val="FFFFFF"/>
                 </a:solidFill>
               </a14:hiddenFill>
             </a:ext>
             <a:ext uri="{91240B29-F687-4f45-9708-019B960494DF}">
-              <a14:hiddenLine xmlns:a14="http://schemas.microsoft.com/office/drawing/2010/main" xmlns="" w="9525">
+              <a14:hiddenLine xmlns="" xmlns:a14="http://schemas.microsoft.com/office/drawing/2010/main" w="9525">
                 <a:solidFill>
                   <a:srgbClr val="000000"/>
                 </a:solidFill>
@@ -35831,14 +35831,14 @@
           </a:ln>
           <a:extLst>
             <a:ext uri="{909E8E84-426E-40dd-AFC4-6F175D3DCCD1}">
-              <a14:hiddenFill xmlns:a14="http://schemas.microsoft.com/office/drawing/2010/main" xmlns="">
+              <a14:hiddenFill xmlns="" xmlns:a14="http://schemas.microsoft.com/office/drawing/2010/main">
                 <a:solidFill>
                   <a:srgbClr val="FFFFFF"/>
                 </a:solidFill>
               </a14:hiddenFill>
             </a:ext>
             <a:ext uri="{91240B29-F687-4f45-9708-019B960494DF}">
-              <a14:hiddenLine xmlns:a14="http://schemas.microsoft.com/office/drawing/2010/main" xmlns="" w="9525">
+              <a14:hiddenLine xmlns="" xmlns:a14="http://schemas.microsoft.com/office/drawing/2010/main" w="9525">
                 <a:solidFill>
                   <a:srgbClr val="000000"/>
                 </a:solidFill>
@@ -35913,14 +35913,14 @@
           </a:ln>
           <a:extLst>
             <a:ext uri="{909E8E84-426E-40dd-AFC4-6F175D3DCCD1}">
-              <a14:hiddenFill xmlns:a14="http://schemas.microsoft.com/office/drawing/2010/main" xmlns="">
+              <a14:hiddenFill xmlns="" xmlns:a14="http://schemas.microsoft.com/office/drawing/2010/main">
                 <a:solidFill>
                   <a:srgbClr val="FFFFFF"/>
                 </a:solidFill>
               </a14:hiddenFill>
             </a:ext>
             <a:ext uri="{91240B29-F687-4f45-9708-019B960494DF}">
-              <a14:hiddenLine xmlns:a14="http://schemas.microsoft.com/office/drawing/2010/main" xmlns="" w="9525">
+              <a14:hiddenLine xmlns="" xmlns:a14="http://schemas.microsoft.com/office/drawing/2010/main" w="9525">
                 <a:solidFill>
                   <a:srgbClr val="000000"/>
                 </a:solidFill>
@@ -35949,7 +35949,7 @@
             </a:pPr>
             <a:fld id="{8DCBF038-8F8A-4D9A-8E1D-E6D68F108D50}" type="datetimeFigureOut">
               <a:rPr lang="zh-CN" altLang="en-US"/>
-              <a:t>2018/8/23</a:t>
+              <a:t>2018/9/3</a:t>
             </a:fld>
             <a:endParaRPr lang="zh-CN" altLang="en-US"/>
           </a:p>
@@ -35979,14 +35979,14 @@
           </a:ln>
           <a:extLst>
             <a:ext uri="{909E8E84-426E-40dd-AFC4-6F175D3DCCD1}">
-              <a14:hiddenFill xmlns:a14="http://schemas.microsoft.com/office/drawing/2010/main" xmlns="">
+              <a14:hiddenFill xmlns="" xmlns:a14="http://schemas.microsoft.com/office/drawing/2010/main">
                 <a:solidFill>
                   <a:srgbClr val="FFFFFF"/>
                 </a:solidFill>
               </a14:hiddenFill>
             </a:ext>
             <a:ext uri="{91240B29-F687-4f45-9708-019B960494DF}">
-              <a14:hiddenLine xmlns:a14="http://schemas.microsoft.com/office/drawing/2010/main" xmlns="" w="9525">
+              <a14:hiddenLine xmlns="" xmlns:a14="http://schemas.microsoft.com/office/drawing/2010/main" w="9525">
                 <a:solidFill>
                   <a:srgbClr val="000000"/>
                 </a:solidFill>
@@ -36041,14 +36041,14 @@
           </a:ln>
           <a:extLst>
             <a:ext uri="{909E8E84-426E-40dd-AFC4-6F175D3DCCD1}">
-              <a14:hiddenFill xmlns:a14="http://schemas.microsoft.com/office/drawing/2010/main" xmlns="">
+              <a14:hiddenFill xmlns="" xmlns:a14="http://schemas.microsoft.com/office/drawing/2010/main">
                 <a:solidFill>
                   <a:srgbClr val="FFFFFF"/>
                 </a:solidFill>
               </a14:hiddenFill>
             </a:ext>
             <a:ext uri="{91240B29-F687-4f45-9708-019B960494DF}">
-              <a14:hiddenLine xmlns:a14="http://schemas.microsoft.com/office/drawing/2010/main" xmlns="" w="9525">
+              <a14:hiddenLine xmlns="" xmlns:a14="http://schemas.microsoft.com/office/drawing/2010/main" w="9525">
                 <a:solidFill>
                   <a:srgbClr val="000000"/>
                 </a:solidFill>
@@ -36546,14 +36546,14 @@
           </a:ln>
           <a:extLst>
             <a:ext uri="{909E8E84-426E-40dd-AFC4-6F175D3DCCD1}">
-              <a14:hiddenFill xmlns:a14="http://schemas.microsoft.com/office/drawing/2010/main" xmlns="">
+              <a14:hiddenFill xmlns="" xmlns:a14="http://schemas.microsoft.com/office/drawing/2010/main">
                 <a:solidFill>
                   <a:srgbClr val="FFFFFF"/>
                 </a:solidFill>
               </a14:hiddenFill>
             </a:ext>
             <a:ext uri="{91240B29-F687-4f45-9708-019B960494DF}">
-              <a14:hiddenLine xmlns:a14="http://schemas.microsoft.com/office/drawing/2010/main" xmlns="" w="9525">
+              <a14:hiddenLine xmlns="" xmlns:a14="http://schemas.microsoft.com/office/drawing/2010/main" w="9525">
                 <a:solidFill>
                   <a:srgbClr val="000000"/>
                 </a:solidFill>
@@ -36600,14 +36600,14 @@
           </a:ln>
           <a:extLst>
             <a:ext uri="{909E8E84-426E-40dd-AFC4-6F175D3DCCD1}">
-              <a14:hiddenFill xmlns:a14="http://schemas.microsoft.com/office/drawing/2010/main" xmlns="">
+              <a14:hiddenFill xmlns="" xmlns:a14="http://schemas.microsoft.com/office/drawing/2010/main">
                 <a:solidFill>
                   <a:srgbClr val="FFFFFF"/>
                 </a:solidFill>
               </a14:hiddenFill>
             </a:ext>
             <a:ext uri="{91240B29-F687-4f45-9708-019B960494DF}">
-              <a14:hiddenLine xmlns:a14="http://schemas.microsoft.com/office/drawing/2010/main" xmlns="" w="9525">
+              <a14:hiddenLine xmlns="" xmlns:a14="http://schemas.microsoft.com/office/drawing/2010/main" w="9525">
                 <a:solidFill>
                   <a:srgbClr val="000000"/>
                 </a:solidFill>
@@ -36682,14 +36682,14 @@
           </a:ln>
           <a:extLst>
             <a:ext uri="{909E8E84-426E-40dd-AFC4-6F175D3DCCD1}">
-              <a14:hiddenFill xmlns:a14="http://schemas.microsoft.com/office/drawing/2010/main" xmlns="">
+              <a14:hiddenFill xmlns="" xmlns:a14="http://schemas.microsoft.com/office/drawing/2010/main">
                 <a:solidFill>
                   <a:srgbClr val="FFFFFF"/>
                 </a:solidFill>
               </a14:hiddenFill>
             </a:ext>
             <a:ext uri="{91240B29-F687-4f45-9708-019B960494DF}">
-              <a14:hiddenLine xmlns:a14="http://schemas.microsoft.com/office/drawing/2010/main" xmlns="" w="9525">
+              <a14:hiddenLine xmlns="" xmlns:a14="http://schemas.microsoft.com/office/drawing/2010/main" w="9525">
                 <a:solidFill>
                   <a:srgbClr val="000000"/>
                 </a:solidFill>
@@ -36718,7 +36718,7 @@
             </a:pPr>
             <a:fld id="{250B9FAE-82D9-41AB-90CB-91C43726C12B}" type="datetimeFigureOut">
               <a:rPr lang="zh-CN" altLang="en-US"/>
-              <a:t>2018/8/23</a:t>
+              <a:t>2018/9/3</a:t>
             </a:fld>
             <a:endParaRPr lang="zh-CN" altLang="en-US"/>
           </a:p>
@@ -36748,14 +36748,14 @@
           </a:ln>
           <a:extLst>
             <a:ext uri="{909E8E84-426E-40dd-AFC4-6F175D3DCCD1}">
-              <a14:hiddenFill xmlns:a14="http://schemas.microsoft.com/office/drawing/2010/main" xmlns="">
+              <a14:hiddenFill xmlns="" xmlns:a14="http://schemas.microsoft.com/office/drawing/2010/main">
                 <a:solidFill>
                   <a:srgbClr val="FFFFFF"/>
                 </a:solidFill>
               </a14:hiddenFill>
             </a:ext>
             <a:ext uri="{91240B29-F687-4f45-9708-019B960494DF}">
-              <a14:hiddenLine xmlns:a14="http://schemas.microsoft.com/office/drawing/2010/main" xmlns="" w="9525">
+              <a14:hiddenLine xmlns="" xmlns:a14="http://schemas.microsoft.com/office/drawing/2010/main" w="9525">
                 <a:solidFill>
                   <a:srgbClr val="000000"/>
                 </a:solidFill>
@@ -36810,14 +36810,14 @@
           </a:ln>
           <a:extLst>
             <a:ext uri="{909E8E84-426E-40dd-AFC4-6F175D3DCCD1}">
-              <a14:hiddenFill xmlns:a14="http://schemas.microsoft.com/office/drawing/2010/main" xmlns="">
+              <a14:hiddenFill xmlns="" xmlns:a14="http://schemas.microsoft.com/office/drawing/2010/main">
                 <a:solidFill>
                   <a:srgbClr val="FFFFFF"/>
                 </a:solidFill>
               </a14:hiddenFill>
             </a:ext>
             <a:ext uri="{91240B29-F687-4f45-9708-019B960494DF}">
-              <a14:hiddenLine xmlns:a14="http://schemas.microsoft.com/office/drawing/2010/main" xmlns="" w="9525">
+              <a14:hiddenLine xmlns="" xmlns:a14="http://schemas.microsoft.com/office/drawing/2010/main" w="9525">
                 <a:solidFill>
                   <a:srgbClr val="000000"/>
                 </a:solidFill>
@@ -37315,14 +37315,14 @@
           </a:ln>
           <a:extLst>
             <a:ext uri="{909E8E84-426E-40dd-AFC4-6F175D3DCCD1}">
-              <a14:hiddenFill xmlns:a14="http://schemas.microsoft.com/office/drawing/2010/main" xmlns="">
+              <a14:hiddenFill xmlns="" xmlns:a14="http://schemas.microsoft.com/office/drawing/2010/main">
                 <a:solidFill>
                   <a:srgbClr val="FFFFFF"/>
                 </a:solidFill>
               </a14:hiddenFill>
             </a:ext>
             <a:ext uri="{91240B29-F687-4f45-9708-019B960494DF}">
-              <a14:hiddenLine xmlns:a14="http://schemas.microsoft.com/office/drawing/2010/main" xmlns="" w="9525">
+              <a14:hiddenLine xmlns="" xmlns:a14="http://schemas.microsoft.com/office/drawing/2010/main" w="9525">
                 <a:solidFill>
                   <a:srgbClr val="000000"/>
                 </a:solidFill>
@@ -37369,14 +37369,14 @@
           </a:ln>
           <a:extLst>
             <a:ext uri="{909E8E84-426E-40dd-AFC4-6F175D3DCCD1}">
-              <a14:hiddenFill xmlns:a14="http://schemas.microsoft.com/office/drawing/2010/main" xmlns="">
+              <a14:hiddenFill xmlns="" xmlns:a14="http://schemas.microsoft.com/office/drawing/2010/main">
                 <a:solidFill>
                   <a:srgbClr val="FFFFFF"/>
                 </a:solidFill>
               </a14:hiddenFill>
             </a:ext>
             <a:ext uri="{91240B29-F687-4f45-9708-019B960494DF}">
-              <a14:hiddenLine xmlns:a14="http://schemas.microsoft.com/office/drawing/2010/main" xmlns="" w="9525">
+              <a14:hiddenLine xmlns="" xmlns:a14="http://schemas.microsoft.com/office/drawing/2010/main" w="9525">
                 <a:solidFill>
                   <a:srgbClr val="000000"/>
                 </a:solidFill>
@@ -37451,14 +37451,14 @@
           </a:ln>
           <a:extLst>
             <a:ext uri="{909E8E84-426E-40dd-AFC4-6F175D3DCCD1}">
-              <a14:hiddenFill xmlns:a14="http://schemas.microsoft.com/office/drawing/2010/main" xmlns="">
+              <a14:hiddenFill xmlns="" xmlns:a14="http://schemas.microsoft.com/office/drawing/2010/main">
                 <a:solidFill>
                   <a:srgbClr val="FFFFFF"/>
                 </a:solidFill>
               </a14:hiddenFill>
             </a:ext>
             <a:ext uri="{91240B29-F687-4f45-9708-019B960494DF}">
-              <a14:hiddenLine xmlns:a14="http://schemas.microsoft.com/office/drawing/2010/main" xmlns="" w="9525">
+              <a14:hiddenLine xmlns="" xmlns:a14="http://schemas.microsoft.com/office/drawing/2010/main" w="9525">
                 <a:solidFill>
                   <a:srgbClr val="000000"/>
                 </a:solidFill>
@@ -37487,7 +37487,7 @@
             </a:pPr>
             <a:fld id="{34B1E7F6-A919-4684-9F9D-4A027B39B151}" type="datetimeFigureOut">
               <a:rPr lang="zh-CN" altLang="en-US"/>
-              <a:t>2018/8/23</a:t>
+              <a:t>2018/9/3</a:t>
             </a:fld>
             <a:endParaRPr lang="zh-CN" altLang="en-US"/>
           </a:p>
@@ -37517,14 +37517,14 @@
           </a:ln>
           <a:extLst>
             <a:ext uri="{909E8E84-426E-40dd-AFC4-6F175D3DCCD1}">
-              <a14:hiddenFill xmlns:a14="http://schemas.microsoft.com/office/drawing/2010/main" xmlns="">
+              <a14:hiddenFill xmlns="" xmlns:a14="http://schemas.microsoft.com/office/drawing/2010/main">
                 <a:solidFill>
                   <a:srgbClr val="FFFFFF"/>
                 </a:solidFill>
               </a14:hiddenFill>
             </a:ext>
             <a:ext uri="{91240B29-F687-4f45-9708-019B960494DF}">
-              <a14:hiddenLine xmlns:a14="http://schemas.microsoft.com/office/drawing/2010/main" xmlns="" w="9525">
+              <a14:hiddenLine xmlns="" xmlns:a14="http://schemas.microsoft.com/office/drawing/2010/main" w="9525">
                 <a:solidFill>
                   <a:srgbClr val="000000"/>
                 </a:solidFill>
@@ -37579,14 +37579,14 @@
           </a:ln>
           <a:extLst>
             <a:ext uri="{909E8E84-426E-40dd-AFC4-6F175D3DCCD1}">
-              <a14:hiddenFill xmlns:a14="http://schemas.microsoft.com/office/drawing/2010/main" xmlns="">
+              <a14:hiddenFill xmlns="" xmlns:a14="http://schemas.microsoft.com/office/drawing/2010/main">
                 <a:solidFill>
                   <a:srgbClr val="FFFFFF"/>
                 </a:solidFill>
               </a14:hiddenFill>
             </a:ext>
             <a:ext uri="{91240B29-F687-4f45-9708-019B960494DF}">
-              <a14:hiddenLine xmlns:a14="http://schemas.microsoft.com/office/drawing/2010/main" xmlns="" w="9525">
+              <a14:hiddenLine xmlns="" xmlns:a14="http://schemas.microsoft.com/office/drawing/2010/main" w="9525">
                 <a:solidFill>
                   <a:srgbClr val="000000"/>
                 </a:solidFill>
@@ -38084,14 +38084,14 @@
           </a:ln>
           <a:extLst>
             <a:ext uri="{909E8E84-426E-40dd-AFC4-6F175D3DCCD1}">
-              <a14:hiddenFill xmlns:a14="http://schemas.microsoft.com/office/drawing/2010/main" xmlns="">
+              <a14:hiddenFill xmlns="" xmlns:a14="http://schemas.microsoft.com/office/drawing/2010/main">
                 <a:solidFill>
                   <a:srgbClr val="FFFFFF"/>
                 </a:solidFill>
               </a14:hiddenFill>
             </a:ext>
             <a:ext uri="{91240B29-F687-4f45-9708-019B960494DF}">
-              <a14:hiddenLine xmlns:a14="http://schemas.microsoft.com/office/drawing/2010/main" xmlns="" w="9525">
+              <a14:hiddenLine xmlns="" xmlns:a14="http://schemas.microsoft.com/office/drawing/2010/main" w="9525">
                 <a:solidFill>
                   <a:srgbClr val="000000"/>
                 </a:solidFill>
@@ -38138,14 +38138,14 @@
           </a:ln>
           <a:extLst>
             <a:ext uri="{909E8E84-426E-40dd-AFC4-6F175D3DCCD1}">
-              <a14:hiddenFill xmlns:a14="http://schemas.microsoft.com/office/drawing/2010/main" xmlns="">
+              <a14:hiddenFill xmlns="" xmlns:a14="http://schemas.microsoft.com/office/drawing/2010/main">
                 <a:solidFill>
                   <a:srgbClr val="FFFFFF"/>
                 </a:solidFill>
               </a14:hiddenFill>
             </a:ext>
             <a:ext uri="{91240B29-F687-4f45-9708-019B960494DF}">
-              <a14:hiddenLine xmlns:a14="http://schemas.microsoft.com/office/drawing/2010/main" xmlns="" w="9525">
+              <a14:hiddenLine xmlns="" xmlns:a14="http://schemas.microsoft.com/office/drawing/2010/main" w="9525">
                 <a:solidFill>
                   <a:srgbClr val="000000"/>
                 </a:solidFill>
@@ -38220,14 +38220,14 @@
           </a:ln>
           <a:extLst>
             <a:ext uri="{909E8E84-426E-40dd-AFC4-6F175D3DCCD1}">
-              <a14:hiddenFill xmlns:a14="http://schemas.microsoft.com/office/drawing/2010/main" xmlns="">
+              <a14:hiddenFill xmlns="" xmlns:a14="http://schemas.microsoft.com/office/drawing/2010/main">
                 <a:solidFill>
                   <a:srgbClr val="FFFFFF"/>
                 </a:solidFill>
               </a14:hiddenFill>
             </a:ext>
             <a:ext uri="{91240B29-F687-4f45-9708-019B960494DF}">
-              <a14:hiddenLine xmlns:a14="http://schemas.microsoft.com/office/drawing/2010/main" xmlns="" w="9525">
+              <a14:hiddenLine xmlns="" xmlns:a14="http://schemas.microsoft.com/office/drawing/2010/main" w="9525">
                 <a:solidFill>
                   <a:srgbClr val="000000"/>
                 </a:solidFill>
@@ -38256,7 +38256,7 @@
             </a:pPr>
             <a:fld id="{EC973AEF-B83D-4382-90EF-7B638A13EF6D}" type="datetimeFigureOut">
               <a:rPr lang="zh-CN" altLang="en-US"/>
-              <a:t>2018/8/23</a:t>
+              <a:t>2018/9/3</a:t>
             </a:fld>
             <a:endParaRPr lang="zh-CN" altLang="en-US"/>
           </a:p>
@@ -38286,14 +38286,14 @@
           </a:ln>
           <a:extLst>
             <a:ext uri="{909E8E84-426E-40dd-AFC4-6F175D3DCCD1}">
-              <a14:hiddenFill xmlns:a14="http://schemas.microsoft.com/office/drawing/2010/main" xmlns="">
+              <a14:hiddenFill xmlns="" xmlns:a14="http://schemas.microsoft.com/office/drawing/2010/main">
                 <a:solidFill>
                   <a:srgbClr val="FFFFFF"/>
                 </a:solidFill>
               </a14:hiddenFill>
             </a:ext>
             <a:ext uri="{91240B29-F687-4f45-9708-019B960494DF}">
-              <a14:hiddenLine xmlns:a14="http://schemas.microsoft.com/office/drawing/2010/main" xmlns="" w="9525">
+              <a14:hiddenLine xmlns="" xmlns:a14="http://schemas.microsoft.com/office/drawing/2010/main" w="9525">
                 <a:solidFill>
                   <a:srgbClr val="000000"/>
                 </a:solidFill>
@@ -38348,14 +38348,14 @@
           </a:ln>
           <a:extLst>
             <a:ext uri="{909E8E84-426E-40dd-AFC4-6F175D3DCCD1}">
-              <a14:hiddenFill xmlns:a14="http://schemas.microsoft.com/office/drawing/2010/main" xmlns="">
+              <a14:hiddenFill xmlns="" xmlns:a14="http://schemas.microsoft.com/office/drawing/2010/main">
                 <a:solidFill>
                   <a:srgbClr val="FFFFFF"/>
                 </a:solidFill>
               </a14:hiddenFill>
             </a:ext>
             <a:ext uri="{91240B29-F687-4f45-9708-019B960494DF}">
-              <a14:hiddenLine xmlns:a14="http://schemas.microsoft.com/office/drawing/2010/main" xmlns="" w="9525">
+              <a14:hiddenLine xmlns="" xmlns:a14="http://schemas.microsoft.com/office/drawing/2010/main" w="9525">
                 <a:solidFill>
                   <a:srgbClr val="000000"/>
                 </a:solidFill>
@@ -38853,14 +38853,14 @@
           </a:ln>
           <a:extLst>
             <a:ext uri="{909E8E84-426E-40dd-AFC4-6F175D3DCCD1}">
-              <a14:hiddenFill xmlns:a14="http://schemas.microsoft.com/office/drawing/2010/main" xmlns="">
+              <a14:hiddenFill xmlns="" xmlns:a14="http://schemas.microsoft.com/office/drawing/2010/main">
                 <a:solidFill>
                   <a:srgbClr val="FFFFFF"/>
                 </a:solidFill>
               </a14:hiddenFill>
             </a:ext>
             <a:ext uri="{91240B29-F687-4f45-9708-019B960494DF}">
-              <a14:hiddenLine xmlns:a14="http://schemas.microsoft.com/office/drawing/2010/main" xmlns="" w="9525">
+              <a14:hiddenLine xmlns="" xmlns:a14="http://schemas.microsoft.com/office/drawing/2010/main" w="9525">
                 <a:solidFill>
                   <a:srgbClr val="000000"/>
                 </a:solidFill>
@@ -38907,14 +38907,14 @@
           </a:ln>
           <a:extLst>
             <a:ext uri="{909E8E84-426E-40dd-AFC4-6F175D3DCCD1}">
-              <a14:hiddenFill xmlns:a14="http://schemas.microsoft.com/office/drawing/2010/main" xmlns="">
+              <a14:hiddenFill xmlns="" xmlns:a14="http://schemas.microsoft.com/office/drawing/2010/main">
                 <a:solidFill>
                   <a:srgbClr val="FFFFFF"/>
                 </a:solidFill>
               </a14:hiddenFill>
             </a:ext>
             <a:ext uri="{91240B29-F687-4f45-9708-019B960494DF}">
-              <a14:hiddenLine xmlns:a14="http://schemas.microsoft.com/office/drawing/2010/main" xmlns="" w="9525">
+              <a14:hiddenLine xmlns="" xmlns:a14="http://schemas.microsoft.com/office/drawing/2010/main" w="9525">
                 <a:solidFill>
                   <a:srgbClr val="000000"/>
                 </a:solidFill>
@@ -38989,14 +38989,14 @@
           </a:ln>
           <a:extLst>
             <a:ext uri="{909E8E84-426E-40dd-AFC4-6F175D3DCCD1}">
-              <a14:hiddenFill xmlns:a14="http://schemas.microsoft.com/office/drawing/2010/main" xmlns="">
+              <a14:hiddenFill xmlns="" xmlns:a14="http://schemas.microsoft.com/office/drawing/2010/main">
                 <a:solidFill>
                   <a:srgbClr val="FFFFFF"/>
                 </a:solidFill>
               </a14:hiddenFill>
             </a:ext>
             <a:ext uri="{91240B29-F687-4f45-9708-019B960494DF}">
-              <a14:hiddenLine xmlns:a14="http://schemas.microsoft.com/office/drawing/2010/main" xmlns="" w="9525">
+              <a14:hiddenLine xmlns="" xmlns:a14="http://schemas.microsoft.com/office/drawing/2010/main" w="9525">
                 <a:solidFill>
                   <a:srgbClr val="000000"/>
                 </a:solidFill>
@@ -39025,7 +39025,7 @@
             </a:pPr>
             <a:fld id="{EF574EF0-7AE6-4838-8044-DD46E282D74E}" type="datetimeFigureOut">
               <a:rPr lang="zh-CN" altLang="en-US"/>
-              <a:t>2018/8/23</a:t>
+              <a:t>2018/9/3</a:t>
             </a:fld>
             <a:endParaRPr lang="zh-CN" altLang="en-US"/>
           </a:p>
@@ -39055,14 +39055,14 @@
           </a:ln>
           <a:extLst>
             <a:ext uri="{909E8E84-426E-40dd-AFC4-6F175D3DCCD1}">
-              <a14:hiddenFill xmlns:a14="http://schemas.microsoft.com/office/drawing/2010/main" xmlns="">
+              <a14:hiddenFill xmlns="" xmlns:a14="http://schemas.microsoft.com/office/drawing/2010/main">
                 <a:solidFill>
                   <a:srgbClr val="FFFFFF"/>
                 </a:solidFill>
               </a14:hiddenFill>
             </a:ext>
             <a:ext uri="{91240B29-F687-4f45-9708-019B960494DF}">
-              <a14:hiddenLine xmlns:a14="http://schemas.microsoft.com/office/drawing/2010/main" xmlns="" w="9525">
+              <a14:hiddenLine xmlns="" xmlns:a14="http://schemas.microsoft.com/office/drawing/2010/main" w="9525">
                 <a:solidFill>
                   <a:srgbClr val="000000"/>
                 </a:solidFill>
@@ -39117,14 +39117,14 @@
           </a:ln>
           <a:extLst>
             <a:ext uri="{909E8E84-426E-40dd-AFC4-6F175D3DCCD1}">
-              <a14:hiddenFill xmlns:a14="http://schemas.microsoft.com/office/drawing/2010/main" xmlns="">
+              <a14:hiddenFill xmlns="" xmlns:a14="http://schemas.microsoft.com/office/drawing/2010/main">
                 <a:solidFill>
                   <a:srgbClr val="FFFFFF"/>
                 </a:solidFill>
               </a14:hiddenFill>
             </a:ext>
             <a:ext uri="{91240B29-F687-4f45-9708-019B960494DF}">
-              <a14:hiddenLine xmlns:a14="http://schemas.microsoft.com/office/drawing/2010/main" xmlns="" w="9525">
+              <a14:hiddenLine xmlns="" xmlns:a14="http://schemas.microsoft.com/office/drawing/2010/main" w="9525">
                 <a:solidFill>
                   <a:srgbClr val="000000"/>
                 </a:solidFill>
@@ -39622,14 +39622,14 @@
           </a:ln>
           <a:extLst>
             <a:ext uri="{909E8E84-426E-40dd-AFC4-6F175D3DCCD1}">
-              <a14:hiddenFill xmlns:a14="http://schemas.microsoft.com/office/drawing/2010/main" xmlns="">
+              <a14:hiddenFill xmlns="" xmlns:a14="http://schemas.microsoft.com/office/drawing/2010/main">
                 <a:solidFill>
                   <a:srgbClr val="FFFFFF"/>
                 </a:solidFill>
               </a14:hiddenFill>
             </a:ext>
             <a:ext uri="{91240B29-F687-4f45-9708-019B960494DF}">
-              <a14:hiddenLine xmlns:a14="http://schemas.microsoft.com/office/drawing/2010/main" xmlns="" w="9525">
+              <a14:hiddenLine xmlns="" xmlns:a14="http://schemas.microsoft.com/office/drawing/2010/main" w="9525">
                 <a:solidFill>
                   <a:srgbClr val="000000"/>
                 </a:solidFill>
@@ -39676,14 +39676,14 @@
           </a:ln>
           <a:extLst>
             <a:ext uri="{909E8E84-426E-40dd-AFC4-6F175D3DCCD1}">
-              <a14:hiddenFill xmlns:a14="http://schemas.microsoft.com/office/drawing/2010/main" xmlns="">
+              <a14:hiddenFill xmlns="" xmlns:a14="http://schemas.microsoft.com/office/drawing/2010/main">
                 <a:solidFill>
                   <a:srgbClr val="FFFFFF"/>
                 </a:solidFill>
               </a14:hiddenFill>
             </a:ext>
             <a:ext uri="{91240B29-F687-4f45-9708-019B960494DF}">
-              <a14:hiddenLine xmlns:a14="http://schemas.microsoft.com/office/drawing/2010/main" xmlns="" w="9525">
+              <a14:hiddenLine xmlns="" xmlns:a14="http://schemas.microsoft.com/office/drawing/2010/main" w="9525">
                 <a:solidFill>
                   <a:srgbClr val="000000"/>
                 </a:solidFill>
@@ -39758,14 +39758,14 @@
           </a:ln>
           <a:extLst>
             <a:ext uri="{909E8E84-426E-40dd-AFC4-6F175D3DCCD1}">
-              <a14:hiddenFill xmlns:a14="http://schemas.microsoft.com/office/drawing/2010/main" xmlns="">
+              <a14:hiddenFill xmlns="" xmlns:a14="http://schemas.microsoft.com/office/drawing/2010/main">
                 <a:solidFill>
                   <a:srgbClr val="FFFFFF"/>
                 </a:solidFill>
               </a14:hiddenFill>
             </a:ext>
             <a:ext uri="{91240B29-F687-4f45-9708-019B960494DF}">
-              <a14:hiddenLine xmlns:a14="http://schemas.microsoft.com/office/drawing/2010/main" xmlns="" w="9525">
+              <a14:hiddenLine xmlns="" xmlns:a14="http://schemas.microsoft.com/office/drawing/2010/main" w="9525">
                 <a:solidFill>
                   <a:srgbClr val="000000"/>
                 </a:solidFill>
@@ -39794,7 +39794,7 @@
             </a:pPr>
             <a:fld id="{9E7E76B1-350C-479E-823C-6DB007F82A4F}" type="datetimeFigureOut">
               <a:rPr lang="zh-CN" altLang="en-US"/>
-              <a:t>2018/8/23</a:t>
+              <a:t>2018/9/3</a:t>
             </a:fld>
             <a:endParaRPr lang="zh-CN" altLang="en-US"/>
           </a:p>
@@ -39824,14 +39824,14 @@
           </a:ln>
           <a:extLst>
             <a:ext uri="{909E8E84-426E-40dd-AFC4-6F175D3DCCD1}">
-              <a14:hiddenFill xmlns:a14="http://schemas.microsoft.com/office/drawing/2010/main" xmlns="">
+              <a14:hiddenFill xmlns="" xmlns:a14="http://schemas.microsoft.com/office/drawing/2010/main">
                 <a:solidFill>
                   <a:srgbClr val="FFFFFF"/>
                 </a:solidFill>
               </a14:hiddenFill>
             </a:ext>
             <a:ext uri="{91240B29-F687-4f45-9708-019B960494DF}">
-              <a14:hiddenLine xmlns:a14="http://schemas.microsoft.com/office/drawing/2010/main" xmlns="" w="9525">
+              <a14:hiddenLine xmlns="" xmlns:a14="http://schemas.microsoft.com/office/drawing/2010/main" w="9525">
                 <a:solidFill>
                   <a:srgbClr val="000000"/>
                 </a:solidFill>
@@ -39886,14 +39886,14 @@
           </a:ln>
           <a:extLst>
             <a:ext uri="{909E8E84-426E-40dd-AFC4-6F175D3DCCD1}">
-              <a14:hiddenFill xmlns:a14="http://schemas.microsoft.com/office/drawing/2010/main" xmlns="">
+              <a14:hiddenFill xmlns="" xmlns:a14="http://schemas.microsoft.com/office/drawing/2010/main">
                 <a:solidFill>
                   <a:srgbClr val="FFFFFF"/>
                 </a:solidFill>
               </a14:hiddenFill>
             </a:ext>
             <a:ext uri="{91240B29-F687-4f45-9708-019B960494DF}">
-              <a14:hiddenLine xmlns:a14="http://schemas.microsoft.com/office/drawing/2010/main" xmlns="" w="9525">
+              <a14:hiddenLine xmlns="" xmlns:a14="http://schemas.microsoft.com/office/drawing/2010/main" w="9525">
                 <a:solidFill>
                   <a:srgbClr val="000000"/>
                 </a:solidFill>
@@ -40377,14 +40377,14 @@
           </a:ln>
           <a:extLst>
             <a:ext uri="{909E8E84-426E-40dd-AFC4-6F175D3DCCD1}">
-              <a14:hiddenFill xmlns:a14="http://schemas.microsoft.com/office/drawing/2010/main" xmlns="">
+              <a14:hiddenFill xmlns="" xmlns:a14="http://schemas.microsoft.com/office/drawing/2010/main">
                 <a:solidFill>
                   <a:srgbClr val="FFFFFF"/>
                 </a:solidFill>
               </a14:hiddenFill>
             </a:ext>
             <a:ext uri="{91240B29-F687-4f45-9708-019B960494DF}">
-              <a14:hiddenLine xmlns:a14="http://schemas.microsoft.com/office/drawing/2010/main" xmlns="" w="9525">
+              <a14:hiddenLine xmlns="" xmlns:a14="http://schemas.microsoft.com/office/drawing/2010/main" w="9525">
                 <a:solidFill>
                   <a:srgbClr val="000000"/>
                 </a:solidFill>
@@ -40599,7 +40599,7 @@
           </a:ln>
           <a:extLst>
             <a:ext uri="{909E8E84-426E-40dd-AFC4-6F175D3DCCD1}">
-              <a14:hiddenFill xmlns:a14="http://schemas.microsoft.com/office/drawing/2010/main" xmlns="">
+              <a14:hiddenFill xmlns="" xmlns:a14="http://schemas.microsoft.com/office/drawing/2010/main">
                 <a:solidFill>
                   <a:srgbClr val="FFFFFF"/>
                 </a:solidFill>
@@ -41262,11 +41262,7 @@
           <a:p>
             <a:r>
               <a:rPr kumimoji="1" lang="zh-TW" altLang="en-US" dirty="0" smtClean="0"/>
-              <a:t>整合行銷類：請具體說明整合的創意與創新</a:t>
-            </a:r>
-            <a:r>
-              <a:rPr kumimoji="1" lang="zh-TW" altLang="en-US" dirty="0" smtClean="0"/>
-              <a:t>性</a:t>
+              <a:t>整合行銷類：請具體說明整合的創意與創新性</a:t>
             </a:r>
             <a:endParaRPr kumimoji="1" lang="en-US" altLang="zh-TW" dirty="0" smtClean="0"/>
           </a:p>
@@ -41568,7 +41564,7 @@
         <p:spPr>
           <a:xfrm>
             <a:off x="807239" y="2690467"/>
-            <a:ext cx="10677081" cy="369332"/>
+            <a:ext cx="10677081" cy="646331"/>
           </a:xfrm>
           <a:prstGeom prst="rect">
             <a:avLst/>
@@ -41635,7 +41631,38 @@
                   <a:srgbClr val="FF0000"/>
                 </a:solidFill>
               </a:rPr>
-              <a:t>分鐘內，並設定為不公開，並請提供連結。</a:t>
+              <a:t>分鐘內，並設定為不公開，並請提供連結</a:t>
+            </a:r>
+            <a:r>
+              <a:rPr kumimoji="1" lang="zh-TW" altLang="en-US" dirty="0" smtClean="0">
+                <a:solidFill>
+                  <a:srgbClr val="FF0000"/>
+                </a:solidFill>
+              </a:rPr>
+              <a:t>。</a:t>
+            </a:r>
+            <a:endParaRPr kumimoji="1" lang="en-US" altLang="zh-TW" dirty="0" smtClean="0">
+              <a:solidFill>
+                <a:srgbClr val="FF0000"/>
+              </a:solidFill>
+            </a:endParaRPr>
+          </a:p>
+          <a:p>
+            <a:r>
+              <a:rPr kumimoji="1" lang="zh-TW" altLang="en-US" dirty="0" smtClean="0">
+                <a:solidFill>
+                  <a:srgbClr val="FF0000"/>
+                </a:solidFill>
+              </a:rPr>
+              <a:t>大陸地區上傳至騰訊視頻，並</a:t>
+            </a:r>
+            <a:r>
+              <a:rPr kumimoji="1" lang="zh-TW" altLang="en-US" smtClean="0">
+                <a:solidFill>
+                  <a:srgbClr val="FF0000"/>
+                </a:solidFill>
+              </a:rPr>
+              <a:t>請提供視頻連結。</a:t>
             </a:r>
             <a:r>
               <a:rPr kumimoji="1" lang="en-US" altLang="zh-TW" dirty="0" smtClean="0">
